--- a/Sustentacion_Tesis_Villegas.pptx
+++ b/Sustentacion_Tesis_Villegas.pptx
@@ -140,13 +140,140 @@
 <file path=ppt/revisionInfo.xml><?xml version="1.0" encoding="utf-8"?>
 <p1510:revInfo xmlns:a="http://schemas.openxmlformats.org/drawingml/2006/main" xmlns:r="http://schemas.openxmlformats.org/officeDocument/2006/relationships" xmlns:p1510="http://schemas.microsoft.com/office/powerpoint/2015/10/main">
   <p1510:revLst>
-    <p1510:client id="{A7541D56-CD8C-4B48-B53E-CCE4AD6BD733}" v="5666" dt="2018-06-24T20:53:58.520"/>
+    <p1510:client id="{D5944445-FCC3-4982-B0D3-CE54A04CF6A9}" v="16" dt="2018-07-06T12:27:13.177"/>
   </p1510:revLst>
 </p1510:revInfo>
 </file>
 
 <file path=ppt/changesInfos/changesInfo1.xml><?xml version="1.0" encoding="utf-8"?>
 <pc:chgInfo xmlns:a="http://schemas.openxmlformats.org/drawingml/2006/main" xmlns:r="http://schemas.openxmlformats.org/officeDocument/2006/relationships" xmlns:ac="http://schemas.microsoft.com/office/drawing/2013/main/command" xmlns:pc="http://schemas.microsoft.com/office/powerpoint/2013/main/command">
+  <pc:docChgLst>
+    <pc:chgData name="Juan Sebastian Villegas Santos" userId="6558388a-42ad-4ed6-8c7c-519b7261b204" providerId="ADAL" clId="{D5944445-FCC3-4982-B0D3-CE54A04CF6A9}"/>
+    <pc:docChg chg="modSld">
+      <pc:chgData name="Juan Sebastian Villegas Santos" userId="6558388a-42ad-4ed6-8c7c-519b7261b204" providerId="ADAL" clId="{D5944445-FCC3-4982-B0D3-CE54A04CF6A9}" dt="2018-07-06T12:27:13.177" v="15" actId="20577"/>
+      <pc:docMkLst>
+        <pc:docMk/>
+      </pc:docMkLst>
+      <pc:sldChg chg="modSp">
+        <pc:chgData name="Juan Sebastian Villegas Santos" userId="6558388a-42ad-4ed6-8c7c-519b7261b204" providerId="ADAL" clId="{D5944445-FCC3-4982-B0D3-CE54A04CF6A9}" dt="2018-07-06T12:27:13.177" v="15" actId="20577"/>
+        <pc:sldMkLst>
+          <pc:docMk/>
+          <pc:sldMk cId="2633123934" sldId="275"/>
+        </pc:sldMkLst>
+        <pc:spChg chg="mod">
+          <ac:chgData name="Juan Sebastian Villegas Santos" userId="6558388a-42ad-4ed6-8c7c-519b7261b204" providerId="ADAL" clId="{D5944445-FCC3-4982-B0D3-CE54A04CF6A9}" dt="2018-07-06T12:27:13.177" v="15" actId="20577"/>
+          <ac:spMkLst>
+            <pc:docMk/>
+            <pc:sldMk cId="2633123934" sldId="275"/>
+            <ac:spMk id="3" creationId="{AB5AF94E-B93A-41D4-8961-FCCA5F53EFDC}"/>
+          </ac:spMkLst>
+        </pc:spChg>
+      </pc:sldChg>
+      <pc:sldChg chg="addSp modSp">
+        <pc:chgData name="Juan Sebastian Villegas Santos" userId="6558388a-42ad-4ed6-8c7c-519b7261b204" providerId="ADAL" clId="{D5944445-FCC3-4982-B0D3-CE54A04CF6A9}" dt="2018-07-06T12:13:24.153" v="1" actId="1036"/>
+        <pc:sldMkLst>
+          <pc:docMk/>
+          <pc:sldMk cId="436565128" sldId="283"/>
+        </pc:sldMkLst>
+        <pc:spChg chg="mod">
+          <ac:chgData name="Juan Sebastian Villegas Santos" userId="6558388a-42ad-4ed6-8c7c-519b7261b204" providerId="ADAL" clId="{D5944445-FCC3-4982-B0D3-CE54A04CF6A9}" dt="2018-07-05T13:11:24.767" v="0" actId="164"/>
+          <ac:spMkLst>
+            <pc:docMk/>
+            <pc:sldMk cId="436565128" sldId="283"/>
+            <ac:spMk id="64" creationId="{00000000-0000-0000-0000-000000000000}"/>
+          </ac:spMkLst>
+        </pc:spChg>
+        <pc:spChg chg="mod">
+          <ac:chgData name="Juan Sebastian Villegas Santos" userId="6558388a-42ad-4ed6-8c7c-519b7261b204" providerId="ADAL" clId="{D5944445-FCC3-4982-B0D3-CE54A04CF6A9}" dt="2018-07-05T13:11:24.767" v="0" actId="164"/>
+          <ac:spMkLst>
+            <pc:docMk/>
+            <pc:sldMk cId="436565128" sldId="283"/>
+            <ac:spMk id="65" creationId="{00000000-0000-0000-0000-000000000000}"/>
+          </ac:spMkLst>
+        </pc:spChg>
+        <pc:spChg chg="mod">
+          <ac:chgData name="Juan Sebastian Villegas Santos" userId="6558388a-42ad-4ed6-8c7c-519b7261b204" providerId="ADAL" clId="{D5944445-FCC3-4982-B0D3-CE54A04CF6A9}" dt="2018-07-05T13:11:24.767" v="0" actId="164"/>
+          <ac:spMkLst>
+            <pc:docMk/>
+            <pc:sldMk cId="436565128" sldId="283"/>
+            <ac:spMk id="66" creationId="{00000000-0000-0000-0000-000000000000}"/>
+          </ac:spMkLst>
+        </pc:spChg>
+        <pc:spChg chg="mod">
+          <ac:chgData name="Juan Sebastian Villegas Santos" userId="6558388a-42ad-4ed6-8c7c-519b7261b204" providerId="ADAL" clId="{D5944445-FCC3-4982-B0D3-CE54A04CF6A9}" dt="2018-07-05T13:11:24.767" v="0" actId="164"/>
+          <ac:spMkLst>
+            <pc:docMk/>
+            <pc:sldMk cId="436565128" sldId="283"/>
+            <ac:spMk id="67" creationId="{00000000-0000-0000-0000-000000000000}"/>
+          </ac:spMkLst>
+        </pc:spChg>
+        <pc:spChg chg="mod">
+          <ac:chgData name="Juan Sebastian Villegas Santos" userId="6558388a-42ad-4ed6-8c7c-519b7261b204" providerId="ADAL" clId="{D5944445-FCC3-4982-B0D3-CE54A04CF6A9}" dt="2018-07-05T13:11:24.767" v="0" actId="164"/>
+          <ac:spMkLst>
+            <pc:docMk/>
+            <pc:sldMk cId="436565128" sldId="283"/>
+            <ac:spMk id="72" creationId="{00000000-0000-0000-0000-000000000000}"/>
+          </ac:spMkLst>
+        </pc:spChg>
+        <pc:grpChg chg="add mod">
+          <ac:chgData name="Juan Sebastian Villegas Santos" userId="6558388a-42ad-4ed6-8c7c-519b7261b204" providerId="ADAL" clId="{D5944445-FCC3-4982-B0D3-CE54A04CF6A9}" dt="2018-07-06T12:13:24.153" v="1" actId="1036"/>
+          <ac:grpSpMkLst>
+            <pc:docMk/>
+            <pc:sldMk cId="436565128" sldId="283"/>
+            <ac:grpSpMk id="3" creationId="{C9EA62FA-DE7A-42D9-8DA9-EC1CAC77D1E7}"/>
+          </ac:grpSpMkLst>
+        </pc:grpChg>
+        <pc:grpChg chg="mod">
+          <ac:chgData name="Juan Sebastian Villegas Santos" userId="6558388a-42ad-4ed6-8c7c-519b7261b204" providerId="ADAL" clId="{D5944445-FCC3-4982-B0D3-CE54A04CF6A9}" dt="2018-07-05T13:11:24.767" v="0" actId="164"/>
+          <ac:grpSpMkLst>
+            <pc:docMk/>
+            <pc:sldMk cId="436565128" sldId="283"/>
+            <ac:grpSpMk id="49" creationId="{00000000-0000-0000-0000-000000000000}"/>
+          </ac:grpSpMkLst>
+        </pc:grpChg>
+        <pc:cxnChg chg="mod">
+          <ac:chgData name="Juan Sebastian Villegas Santos" userId="6558388a-42ad-4ed6-8c7c-519b7261b204" providerId="ADAL" clId="{D5944445-FCC3-4982-B0D3-CE54A04CF6A9}" dt="2018-07-05T13:11:24.767" v="0" actId="164"/>
+          <ac:cxnSpMkLst>
+            <pc:docMk/>
+            <pc:sldMk cId="436565128" sldId="283"/>
+            <ac:cxnSpMk id="62" creationId="{00000000-0000-0000-0000-000000000000}"/>
+          </ac:cxnSpMkLst>
+        </pc:cxnChg>
+        <pc:cxnChg chg="mod">
+          <ac:chgData name="Juan Sebastian Villegas Santos" userId="6558388a-42ad-4ed6-8c7c-519b7261b204" providerId="ADAL" clId="{D5944445-FCC3-4982-B0D3-CE54A04CF6A9}" dt="2018-07-05T13:11:24.767" v="0" actId="164"/>
+          <ac:cxnSpMkLst>
+            <pc:docMk/>
+            <pc:sldMk cId="436565128" sldId="283"/>
+            <ac:cxnSpMk id="68" creationId="{00000000-0000-0000-0000-000000000000}"/>
+          </ac:cxnSpMkLst>
+        </pc:cxnChg>
+      </pc:sldChg>
+    </pc:docChg>
+  </pc:docChgLst>
+  <pc:docChgLst>
+    <pc:chgData name="Juan Sebastian Villegas Santos" userId="S::js.villegas10@uniandes.edu.co::6558388a-42ad-4ed6-8c7c-519b7261b204" providerId="AD" clId="Web-{C6A040BF-88F1-4B3E-B63C-0A9D129BD5A3}"/>
+    <pc:docChg chg="modSld">
+      <pc:chgData name="Juan Sebastian Villegas Santos" userId="S::js.villegas10@uniandes.edu.co::6558388a-42ad-4ed6-8c7c-519b7261b204" providerId="AD" clId="Web-{C6A040BF-88F1-4B3E-B63C-0A9D129BD5A3}" dt="2018-06-25T18:13:33.851" v="0" actId="1076"/>
+      <pc:docMkLst>
+        <pc:docMk/>
+      </pc:docMkLst>
+      <pc:sldChg chg="modSp">
+        <pc:chgData name="Juan Sebastian Villegas Santos" userId="S::js.villegas10@uniandes.edu.co::6558388a-42ad-4ed6-8c7c-519b7261b204" providerId="AD" clId="Web-{C6A040BF-88F1-4B3E-B63C-0A9D129BD5A3}" dt="2018-06-25T18:13:33.851" v="0" actId="1076"/>
+        <pc:sldMkLst>
+          <pc:docMk/>
+          <pc:sldMk cId="200744599" sldId="258"/>
+        </pc:sldMkLst>
+        <pc:picChg chg="mod">
+          <ac:chgData name="Juan Sebastian Villegas Santos" userId="S::js.villegas10@uniandes.edu.co::6558388a-42ad-4ed6-8c7c-519b7261b204" providerId="AD" clId="Web-{C6A040BF-88F1-4B3E-B63C-0A9D129BD5A3}" dt="2018-06-25T18:13:33.851" v="0" actId="1076"/>
+          <ac:picMkLst>
+            <pc:docMk/>
+            <pc:sldMk cId="200744599" sldId="258"/>
+            <ac:picMk id="9" creationId="{F035127E-0129-4EBD-A49A-1C0B8119BC75}"/>
+          </ac:picMkLst>
+        </pc:picChg>
+      </pc:sldChg>
+    </pc:docChg>
+  </pc:docChgLst>
   <pc:docChgLst>
     <pc:chgData name="Juan Sebastian Villegas Santos" userId="6558388a-42ad-4ed6-8c7c-519b7261b204" providerId="ADAL" clId="{A7541D56-CD8C-4B48-B53E-CCE4AD6BD733}"/>
     <pc:docChg chg="undo custSel addSld delSld modSld sldOrd">
@@ -238,7 +365,7 @@
           </ac:spMkLst>
         </pc:spChg>
         <pc:spChg chg="del mod">
-          <ac:chgData name="Juan Sebastian Villegas Santos" userId="6558388a-42ad-4ed6-8c7c-519b7261b204" providerId="ADAL" clId="{A7541D56-CD8C-4B48-B53E-CCE4AD6BD733}" dt="2018-06-23T01:44:34.414" v="5275"/>
+          <ac:chgData name="Juan Sebastian Villegas Santos" userId="6558388a-42ad-4ed6-8c7c-519b7261b204" providerId="ADAL" clId="{A7541D56-CD8C-4B48-B53E-CCE4AD6BD733}" dt="2018-06-23T01:44:34.414" v="5275" actId="20577"/>
           <ac:spMkLst>
             <pc:docMk/>
             <pc:sldMk cId="679537456" sldId="259"/>
@@ -323,7 +450,7 @@
           </ac:spMkLst>
         </pc:spChg>
         <pc:spChg chg="add">
-          <ac:chgData name="Juan Sebastian Villegas Santos" userId="6558388a-42ad-4ed6-8c7c-519b7261b204" providerId="ADAL" clId="{A7541D56-CD8C-4B48-B53E-CCE4AD6BD733}" dt="2018-06-23T02:04:49.098" v="5438"/>
+          <ac:chgData name="Juan Sebastian Villegas Santos" userId="6558388a-42ad-4ed6-8c7c-519b7261b204" providerId="ADAL" clId="{A7541D56-CD8C-4B48-B53E-CCE4AD6BD733}" dt="2018-06-23T02:04:49.098" v="5438" actId="1076"/>
           <ac:spMkLst>
             <pc:docMk/>
             <pc:sldMk cId="2452115778" sldId="263"/>
@@ -364,7 +491,7 @@
         </pc:picChg>
       </pc:sldChg>
       <pc:sldChg chg="addSp delSp">
-        <pc:chgData name="Juan Sebastian Villegas Santos" userId="6558388a-42ad-4ed6-8c7c-519b7261b204" providerId="ADAL" clId="{A7541D56-CD8C-4B48-B53E-CCE4AD6BD733}" dt="2018-06-23T02:04:57.253" v="5442"/>
+        <pc:chgData name="Juan Sebastian Villegas Santos" userId="6558388a-42ad-4ed6-8c7c-519b7261b204" providerId="ADAL" clId="{A7541D56-CD8C-4B48-B53E-CCE4AD6BD733}" dt="2018-06-23T02:04:57.253" v="5442" actId="20577"/>
         <pc:sldMkLst>
           <pc:docMk/>
           <pc:sldMk cId="3539372297" sldId="264"/>
@@ -378,7 +505,7 @@
           </ac:spMkLst>
         </pc:spChg>
         <pc:spChg chg="add">
-          <ac:chgData name="Juan Sebastian Villegas Santos" userId="6558388a-42ad-4ed6-8c7c-519b7261b204" providerId="ADAL" clId="{A7541D56-CD8C-4B48-B53E-CCE4AD6BD733}" dt="2018-06-23T02:04:57.253" v="5442"/>
+          <ac:chgData name="Juan Sebastian Villegas Santos" userId="6558388a-42ad-4ed6-8c7c-519b7261b204" providerId="ADAL" clId="{A7541D56-CD8C-4B48-B53E-CCE4AD6BD733}" dt="2018-06-23T02:04:57.253" v="5442" actId="20577"/>
           <ac:spMkLst>
             <pc:docMk/>
             <pc:sldMk cId="3539372297" sldId="264"/>
@@ -387,7 +514,7 @@
         </pc:spChg>
       </pc:sldChg>
       <pc:sldChg chg="addSp modSp">
-        <pc:chgData name="Juan Sebastian Villegas Santos" userId="6558388a-42ad-4ed6-8c7c-519b7261b204" providerId="ADAL" clId="{A7541D56-CD8C-4B48-B53E-CCE4AD6BD733}" dt="2018-06-20T15:43:37.970" v="2006"/>
+        <pc:chgData name="Juan Sebastian Villegas Santos" userId="6558388a-42ad-4ed6-8c7c-519b7261b204" providerId="ADAL" clId="{A7541D56-CD8C-4B48-B53E-CCE4AD6BD733}" dt="2018-06-20T15:43:37.970" v="2006" actId="20577"/>
         <pc:sldMkLst>
           <pc:docMk/>
           <pc:sldMk cId="2798359903" sldId="265"/>
@@ -401,7 +528,7 @@
           </ac:spMkLst>
         </pc:spChg>
         <pc:spChg chg="add">
-          <ac:chgData name="Juan Sebastian Villegas Santos" userId="6558388a-42ad-4ed6-8c7c-519b7261b204" providerId="ADAL" clId="{A7541D56-CD8C-4B48-B53E-CCE4AD6BD733}" dt="2018-06-20T15:43:37.970" v="2006"/>
+          <ac:chgData name="Juan Sebastian Villegas Santos" userId="6558388a-42ad-4ed6-8c7c-519b7261b204" providerId="ADAL" clId="{A7541D56-CD8C-4B48-B53E-CCE4AD6BD733}" dt="2018-06-20T15:43:37.970" v="2006" actId="20577"/>
           <ac:spMkLst>
             <pc:docMk/>
             <pc:sldMk cId="2798359903" sldId="265"/>
@@ -495,7 +622,7 @@
           </ac:spMkLst>
         </pc:spChg>
         <pc:spChg chg="add">
-          <ac:chgData name="Juan Sebastian Villegas Santos" userId="6558388a-42ad-4ed6-8c7c-519b7261b204" providerId="ADAL" clId="{A7541D56-CD8C-4B48-B53E-CCE4AD6BD733}" dt="2018-06-21T05:01:22.683" v="2099"/>
+          <ac:chgData name="Juan Sebastian Villegas Santos" userId="6558388a-42ad-4ed6-8c7c-519b7261b204" providerId="ADAL" clId="{A7541D56-CD8C-4B48-B53E-CCE4AD6BD733}" dt="2018-06-21T05:01:22.683" v="2099" actId="1076"/>
           <ac:spMkLst>
             <pc:docMk/>
             <pc:sldMk cId="233898876" sldId="267"/>
@@ -598,7 +725,7 @@
           </ac:spMkLst>
         </pc:spChg>
         <pc:spChg chg="add">
-          <ac:chgData name="Juan Sebastian Villegas Santos" userId="6558388a-42ad-4ed6-8c7c-519b7261b204" providerId="ADAL" clId="{A7541D56-CD8C-4B48-B53E-CCE4AD6BD733}" dt="2018-06-22T01:47:41.831" v="2328"/>
+          <ac:chgData name="Juan Sebastian Villegas Santos" userId="6558388a-42ad-4ed6-8c7c-519b7261b204" providerId="ADAL" clId="{A7541D56-CD8C-4B48-B53E-CCE4AD6BD733}" dt="2018-06-22T01:47:41.831" v="2328" actId="478"/>
           <ac:spMkLst>
             <pc:docMk/>
             <pc:sldMk cId="2198879161" sldId="268"/>
@@ -708,7 +835,7 @@
           </ac:spMkLst>
         </pc:spChg>
         <pc:spChg chg="add">
-          <ac:chgData name="Juan Sebastian Villegas Santos" userId="6558388a-42ad-4ed6-8c7c-519b7261b204" providerId="ADAL" clId="{A7541D56-CD8C-4B48-B53E-CCE4AD6BD733}" dt="2018-06-23T02:04:52.962" v="5440"/>
+          <ac:chgData name="Juan Sebastian Villegas Santos" userId="6558388a-42ad-4ed6-8c7c-519b7261b204" providerId="ADAL" clId="{A7541D56-CD8C-4B48-B53E-CCE4AD6BD733}" dt="2018-06-23T02:04:52.962" v="5440" actId="1076"/>
           <ac:spMkLst>
             <pc:docMk/>
             <pc:sldMk cId="1404293111" sldId="272"/>
@@ -755,7 +882,7 @@
           <pc:sldMk cId="1517210926" sldId="273"/>
         </pc:sldMkLst>
         <pc:spChg chg="mod">
-          <ac:chgData name="Juan Sebastian Villegas Santos" userId="6558388a-42ad-4ed6-8c7c-519b7261b204" providerId="ADAL" clId="{A7541D56-CD8C-4B48-B53E-CCE4AD6BD733}" dt="2018-06-20T15:33:47.146" v="1950"/>
+          <ac:chgData name="Juan Sebastian Villegas Santos" userId="6558388a-42ad-4ed6-8c7c-519b7261b204" providerId="ADAL" clId="{A7541D56-CD8C-4B48-B53E-CCE4AD6BD733}" dt="2018-06-20T15:33:47.146" v="1950" actId="20577"/>
           <ac:spMkLst>
             <pc:docMk/>
             <pc:sldMk cId="1517210926" sldId="273"/>
@@ -835,7 +962,7 @@
         </pc:picChg>
       </pc:sldChg>
       <pc:sldChg chg="addSp delSp modSp">
-        <pc:chgData name="Juan Sebastian Villegas Santos" userId="6558388a-42ad-4ed6-8c7c-519b7261b204" providerId="ADAL" clId="{A7541D56-CD8C-4B48-B53E-CCE4AD6BD733}" dt="2018-06-23T02:04:41.583" v="5434"/>
+        <pc:chgData name="Juan Sebastian Villegas Santos" userId="6558388a-42ad-4ed6-8c7c-519b7261b204" providerId="ADAL" clId="{A7541D56-CD8C-4B48-B53E-CCE4AD6BD733}" dt="2018-06-23T02:04:41.583" v="5434" actId="20577"/>
         <pc:sldMkLst>
           <pc:docMk/>
           <pc:sldMk cId="2633123934" sldId="275"/>
@@ -865,7 +992,7 @@
           </ac:spMkLst>
         </pc:spChg>
         <pc:spChg chg="add">
-          <ac:chgData name="Juan Sebastian Villegas Santos" userId="6558388a-42ad-4ed6-8c7c-519b7261b204" providerId="ADAL" clId="{A7541D56-CD8C-4B48-B53E-CCE4AD6BD733}" dt="2018-06-23T02:04:41.583" v="5434"/>
+          <ac:chgData name="Juan Sebastian Villegas Santos" userId="6558388a-42ad-4ed6-8c7c-519b7261b204" providerId="ADAL" clId="{A7541D56-CD8C-4B48-B53E-CCE4AD6BD733}" dt="2018-06-23T02:04:41.583" v="5434" actId="20577"/>
           <ac:spMkLst>
             <pc:docMk/>
             <pc:sldMk cId="2633123934" sldId="275"/>
@@ -882,7 +1009,7 @@
         </pc:picChg>
       </pc:sldChg>
       <pc:sldChg chg="addSp delSp modSp">
-        <pc:chgData name="Juan Sebastian Villegas Santos" userId="6558388a-42ad-4ed6-8c7c-519b7261b204" providerId="ADAL" clId="{A7541D56-CD8C-4B48-B53E-CCE4AD6BD733}" dt="2018-06-23T02:04:45.006" v="5436"/>
+        <pc:chgData name="Juan Sebastian Villegas Santos" userId="6558388a-42ad-4ed6-8c7c-519b7261b204" providerId="ADAL" clId="{A7541D56-CD8C-4B48-B53E-CCE4AD6BD733}" dt="2018-06-23T02:04:45.006" v="5436" actId="20577"/>
         <pc:sldMkLst>
           <pc:docMk/>
           <pc:sldMk cId="1430425596" sldId="276"/>
@@ -912,7 +1039,7 @@
           </ac:spMkLst>
         </pc:spChg>
         <pc:spChg chg="add">
-          <ac:chgData name="Juan Sebastian Villegas Santos" userId="6558388a-42ad-4ed6-8c7c-519b7261b204" providerId="ADAL" clId="{A7541D56-CD8C-4B48-B53E-CCE4AD6BD733}" dt="2018-06-23T02:04:45.006" v="5436"/>
+          <ac:chgData name="Juan Sebastian Villegas Santos" userId="6558388a-42ad-4ed6-8c7c-519b7261b204" providerId="ADAL" clId="{A7541D56-CD8C-4B48-B53E-CCE4AD6BD733}" dt="2018-06-23T02:04:45.006" v="5436" actId="20577"/>
           <ac:spMkLst>
             <pc:docMk/>
             <pc:sldMk cId="1430425596" sldId="276"/>
@@ -959,7 +1086,7 @@
           </ac:spMkLst>
         </pc:spChg>
         <pc:spChg chg="add">
-          <ac:chgData name="Juan Sebastian Villegas Santos" userId="6558388a-42ad-4ed6-8c7c-519b7261b204" providerId="ADAL" clId="{A7541D56-CD8C-4B48-B53E-CCE4AD6BD733}" dt="2018-06-22T01:48:03.162" v="2333"/>
+          <ac:chgData name="Juan Sebastian Villegas Santos" userId="6558388a-42ad-4ed6-8c7c-519b7261b204" providerId="ADAL" clId="{A7541D56-CD8C-4B48-B53E-CCE4AD6BD733}" dt="2018-06-22T01:48:03.162" v="2333" actId="20577"/>
           <ac:spMkLst>
             <pc:docMk/>
             <pc:sldMk cId="2814024944" sldId="277"/>
@@ -990,7 +1117,7 @@
           </ac:spMkLst>
         </pc:spChg>
         <pc:spChg chg="add">
-          <ac:chgData name="Juan Sebastian Villegas Santos" userId="6558388a-42ad-4ed6-8c7c-519b7261b204" providerId="ADAL" clId="{A7541D56-CD8C-4B48-B53E-CCE4AD6BD733}" dt="2018-06-20T15:43:59.888" v="2024"/>
+          <ac:chgData name="Juan Sebastian Villegas Santos" userId="6558388a-42ad-4ed6-8c7c-519b7261b204" providerId="ADAL" clId="{A7541D56-CD8C-4B48-B53E-CCE4AD6BD733}" dt="2018-06-20T15:43:59.888" v="2024" actId="1076"/>
           <ac:spMkLst>
             <pc:docMk/>
             <pc:sldMk cId="3546919102" sldId="278"/>
@@ -1045,7 +1172,7 @@
           </ac:spMkLst>
         </pc:spChg>
         <pc:spChg chg="add">
-          <ac:chgData name="Juan Sebastian Villegas Santos" userId="6558388a-42ad-4ed6-8c7c-519b7261b204" providerId="ADAL" clId="{A7541D56-CD8C-4B48-B53E-CCE4AD6BD733}" dt="2018-06-21T04:59:37.923" v="2074"/>
+          <ac:chgData name="Juan Sebastian Villegas Santos" userId="6558388a-42ad-4ed6-8c7c-519b7261b204" providerId="ADAL" clId="{A7541D56-CD8C-4B48-B53E-CCE4AD6BD733}" dt="2018-06-21T04:59:37.923" v="2074" actId="478"/>
           <ac:spMkLst>
             <pc:docMk/>
             <pc:sldMk cId="4213284275" sldId="279"/>
@@ -1107,7 +1234,7 @@
           </ac:spMkLst>
         </pc:spChg>
         <pc:spChg chg="add">
-          <ac:chgData name="Juan Sebastian Villegas Santos" userId="6558388a-42ad-4ed6-8c7c-519b7261b204" providerId="ADAL" clId="{A7541D56-CD8C-4B48-B53E-CCE4AD6BD733}" dt="2018-06-22T01:47:53.876" v="2331"/>
+          <ac:chgData name="Juan Sebastian Villegas Santos" userId="6558388a-42ad-4ed6-8c7c-519b7261b204" providerId="ADAL" clId="{A7541D56-CD8C-4B48-B53E-CCE4AD6BD733}" dt="2018-06-22T01:47:53.876" v="2331" actId="14734"/>
           <ac:spMkLst>
             <pc:docMk/>
             <pc:sldMk cId="538817620" sldId="281"/>
@@ -1115,7 +1242,7 @@
           </ac:spMkLst>
         </pc:spChg>
         <pc:graphicFrameChg chg="add del">
-          <ac:chgData name="Juan Sebastian Villegas Santos" userId="6558388a-42ad-4ed6-8c7c-519b7261b204" providerId="ADAL" clId="{A7541D56-CD8C-4B48-B53E-CCE4AD6BD733}" dt="2018-06-21T05:12:23.477" v="2160"/>
+          <ac:chgData name="Juan Sebastian Villegas Santos" userId="6558388a-42ad-4ed6-8c7c-519b7261b204" providerId="ADAL" clId="{A7541D56-CD8C-4B48-B53E-CCE4AD6BD733}" dt="2018-06-21T05:12:23.477" v="2160" actId="14734"/>
           <ac:graphicFrameMkLst>
             <pc:docMk/>
             <pc:sldMk cId="538817620" sldId="281"/>
@@ -1188,30 +1315,6 @@
       </pc:sldChg>
     </pc:docChg>
   </pc:docChgLst>
-  <pc:docChgLst>
-    <pc:chgData name="Juan Sebastian Villegas Santos" userId="S::js.villegas10@uniandes.edu.co::6558388a-42ad-4ed6-8c7c-519b7261b204" providerId="AD" clId="Web-{C6A040BF-88F1-4B3E-B63C-0A9D129BD5A3}"/>
-    <pc:docChg chg="modSld">
-      <pc:chgData name="Juan Sebastian Villegas Santos" userId="S::js.villegas10@uniandes.edu.co::6558388a-42ad-4ed6-8c7c-519b7261b204" providerId="AD" clId="Web-{C6A040BF-88F1-4B3E-B63C-0A9D129BD5A3}" dt="2018-06-25T18:13:33.851" v="0" actId="1076"/>
-      <pc:docMkLst>
-        <pc:docMk/>
-      </pc:docMkLst>
-      <pc:sldChg chg="modSp">
-        <pc:chgData name="Juan Sebastian Villegas Santos" userId="S::js.villegas10@uniandes.edu.co::6558388a-42ad-4ed6-8c7c-519b7261b204" providerId="AD" clId="Web-{C6A040BF-88F1-4B3E-B63C-0A9D129BD5A3}" dt="2018-06-25T18:13:33.851" v="0" actId="1076"/>
-        <pc:sldMkLst>
-          <pc:docMk/>
-          <pc:sldMk cId="200744599" sldId="258"/>
-        </pc:sldMkLst>
-        <pc:picChg chg="mod">
-          <ac:chgData name="Juan Sebastian Villegas Santos" userId="S::js.villegas10@uniandes.edu.co::6558388a-42ad-4ed6-8c7c-519b7261b204" providerId="AD" clId="Web-{C6A040BF-88F1-4B3E-B63C-0A9D129BD5A3}" dt="2018-06-25T18:13:33.851" v="0" actId="1076"/>
-          <ac:picMkLst>
-            <pc:docMk/>
-            <pc:sldMk cId="200744599" sldId="258"/>
-            <ac:picMk id="9" creationId="{F035127E-0129-4EBD-A49A-1C0B8119BC75}"/>
-          </ac:picMkLst>
-        </pc:picChg>
-      </pc:sldChg>
-    </pc:docChg>
-  </pc:docChgLst>
 </pc:chgInfo>
 </file>
 
@@ -1357,7 +1460,7 @@
           <a:p>
             <a:fld id="{6696CDFE-DFDE-4FC6-AEFD-3E62792C5FCF}" type="datetimeFigureOut">
               <a:rPr lang="es-ES" smtClean="0"/>
-              <a:t>26/06/2018</a:t>
+              <a:t>05/07/2018</a:t>
             </a:fld>
             <a:endParaRPr lang="es-ES"/>
           </a:p>
@@ -1527,7 +1630,7 @@
           <a:p>
             <a:fld id="{6696CDFE-DFDE-4FC6-AEFD-3E62792C5FCF}" type="datetimeFigureOut">
               <a:rPr lang="es-ES" smtClean="0"/>
-              <a:t>26/06/2018</a:t>
+              <a:t>05/07/2018</a:t>
             </a:fld>
             <a:endParaRPr lang="es-ES"/>
           </a:p>
@@ -1707,7 +1810,7 @@
           <a:p>
             <a:fld id="{6696CDFE-DFDE-4FC6-AEFD-3E62792C5FCF}" type="datetimeFigureOut">
               <a:rPr lang="es-ES" smtClean="0"/>
-              <a:t>26/06/2018</a:t>
+              <a:t>05/07/2018</a:t>
             </a:fld>
             <a:endParaRPr lang="es-ES"/>
           </a:p>
@@ -3431,7 +3534,7 @@
           <a:p>
             <a:fld id="{6696CDFE-DFDE-4FC6-AEFD-3E62792C5FCF}" type="datetimeFigureOut">
               <a:rPr lang="es-ES" smtClean="0"/>
-              <a:t>26/06/2018</a:t>
+              <a:t>05/07/2018</a:t>
             </a:fld>
             <a:endParaRPr lang="es-ES"/>
           </a:p>
@@ -3904,7 +4007,7 @@
           <a:p>
             <a:fld id="{6696CDFE-DFDE-4FC6-AEFD-3E62792C5FCF}" type="datetimeFigureOut">
               <a:rPr lang="es-ES" smtClean="0"/>
-              <a:t>26/06/2018</a:t>
+              <a:t>05/07/2018</a:t>
             </a:fld>
             <a:endParaRPr lang="es-ES"/>
           </a:p>
@@ -4136,7 +4239,7 @@
           <a:p>
             <a:fld id="{6696CDFE-DFDE-4FC6-AEFD-3E62792C5FCF}" type="datetimeFigureOut">
               <a:rPr lang="es-ES" smtClean="0"/>
-              <a:t>26/06/2018</a:t>
+              <a:t>05/07/2018</a:t>
             </a:fld>
             <a:endParaRPr lang="es-ES"/>
           </a:p>
@@ -4483,7 +4586,7 @@
           <a:p>
             <a:fld id="{6696CDFE-DFDE-4FC6-AEFD-3E62792C5FCF}" type="datetimeFigureOut">
               <a:rPr lang="es-ES" smtClean="0"/>
-              <a:t>26/06/2018</a:t>
+              <a:t>05/07/2018</a:t>
             </a:fld>
             <a:endParaRPr lang="es-ES"/>
           </a:p>
@@ -4601,7 +4704,7 @@
           <a:p>
             <a:fld id="{6696CDFE-DFDE-4FC6-AEFD-3E62792C5FCF}" type="datetimeFigureOut">
               <a:rPr lang="es-ES" smtClean="0"/>
-              <a:t>26/06/2018</a:t>
+              <a:t>05/07/2018</a:t>
             </a:fld>
             <a:endParaRPr lang="es-ES"/>
           </a:p>
@@ -4719,7 +4822,7 @@
           <a:p>
             <a:fld id="{6696CDFE-DFDE-4FC6-AEFD-3E62792C5FCF}" type="datetimeFigureOut">
               <a:rPr lang="es-ES" smtClean="0"/>
-              <a:t>26/06/2018</a:t>
+              <a:t>05/07/2018</a:t>
             </a:fld>
             <a:endParaRPr lang="es-ES"/>
           </a:p>
@@ -5003,7 +5106,7 @@
           <a:p>
             <a:fld id="{6696CDFE-DFDE-4FC6-AEFD-3E62792C5FCF}" type="datetimeFigureOut">
               <a:rPr lang="es-ES" smtClean="0"/>
-              <a:t>26/06/2018</a:t>
+              <a:t>05/07/2018</a:t>
             </a:fld>
             <a:endParaRPr lang="es-ES"/>
           </a:p>
@@ -5267,7 +5370,7 @@
           <a:p>
             <a:fld id="{6696CDFE-DFDE-4FC6-AEFD-3E62792C5FCF}" type="datetimeFigureOut">
               <a:rPr lang="es-ES" smtClean="0"/>
-              <a:t>26/06/2018</a:t>
+              <a:t>05/07/2018</a:t>
             </a:fld>
             <a:endParaRPr lang="es-ES"/>
           </a:p>
@@ -5481,7 +5584,7 @@
           <a:p>
             <a:fld id="{6696CDFE-DFDE-4FC6-AEFD-3E62792C5FCF}" type="datetimeFigureOut">
               <a:rPr lang="es-ES" smtClean="0"/>
-              <a:t>26/06/2018</a:t>
+              <a:t>05/07/2018</a:t>
             </a:fld>
             <a:endParaRPr lang="es-ES"/>
           </a:p>
@@ -6579,13 +6682,6 @@
   <p:clrMapOvr>
     <a:masterClrMapping/>
   </p:clrMapOvr>
-  <p:timing>
-    <p:tnLst>
-      <p:par>
-        <p:cTn id="1" dur="indefinite" restart="never" nodeType="tmRoot"/>
-      </p:par>
-    </p:tnLst>
-  </p:timing>
 </p:sld>
 </file>
 
@@ -7097,13 +7193,6 @@
   <p:clrMapOvr>
     <a:masterClrMapping/>
   </p:clrMapOvr>
-  <p:timing>
-    <p:tnLst>
-      <p:par>
-        <p:cTn id="1" dur="indefinite" restart="never" nodeType="tmRoot"/>
-      </p:par>
-    </p:tnLst>
-  </p:timing>
 </p:sld>
 </file>
 
@@ -7586,13 +7675,6 @@
   <p:clrMapOvr>
     <a:masterClrMapping/>
   </p:clrMapOvr>
-  <p:timing>
-    <p:tnLst>
-      <p:par>
-        <p:cTn id="1" dur="indefinite" restart="never" nodeType="tmRoot"/>
-      </p:par>
-    </p:tnLst>
-  </p:timing>
 </p:sld>
 </file>
 
@@ -8077,13 +8159,6 @@
   <p:clrMapOvr>
     <a:masterClrMapping/>
   </p:clrMapOvr>
-  <p:timing>
-    <p:tnLst>
-      <p:par>
-        <p:cTn id="1" dur="indefinite" restart="never" nodeType="tmRoot"/>
-      </p:par>
-    </p:tnLst>
-  </p:timing>
 </p:sld>
 </file>
 
@@ -9123,7 +9198,7 @@
         </p:nvGraphicFramePr>
         <p:xfrm>
           <a:off x="6496053" y="1900996"/>
-          <a:ext cx="4762499" cy="896938"/>
+          <a:ext cx="4762499" cy="882721"/>
         </p:xfrm>
         <a:graphic>
           <a:graphicData uri="http://schemas.openxmlformats.org/drawingml/2006/table">
@@ -9938,13 +10013,6 @@
   <p:clrMapOvr>
     <a:masterClrMapping/>
   </p:clrMapOvr>
-  <p:timing>
-    <p:tnLst>
-      <p:par>
-        <p:cTn id="1" dur="indefinite" restart="never" nodeType="tmRoot"/>
-      </p:par>
-    </p:tnLst>
-  </p:timing>
 </p:sld>
 </file>
 
@@ -10442,13 +10510,6 @@
   <p:clrMapOvr>
     <a:masterClrMapping/>
   </p:clrMapOvr>
-  <p:timing>
-    <p:tnLst>
-      <p:par>
-        <p:cTn id="1" dur="indefinite" restart="never" nodeType="tmRoot"/>
-      </p:par>
-    </p:tnLst>
-  </p:timing>
 </p:sld>
 </file>
 
@@ -10471,36 +10532,6 @@
       </p:grpSpPr>
       <p:sp>
         <p:nvSpPr>
-          <p:cNvPr id="67" name="CuadroTexto 66"/>
-          <p:cNvSpPr txBox="1"/>
-          <p:nvPr/>
-        </p:nvSpPr>
-        <p:spPr>
-          <a:xfrm>
-            <a:off x="10082125" y="3236765"/>
-            <a:ext cx="1782817" cy="923330"/>
-          </a:xfrm>
-          <a:prstGeom prst="rect">
-            <a:avLst/>
-          </a:prstGeom>
-          <a:noFill/>
-        </p:spPr>
-        <p:txBody>
-          <a:bodyPr wrap="square" rtlCol="0">
-            <a:spAutoFit/>
-          </a:bodyPr>
-          <a:lstStyle/>
-          <a:p>
-            <a:r>
-              <a:rPr lang="es-CO" dirty="0" smtClean="0"/>
-              <a:t>Mejor estimativo y dispersión cada 500RPM</a:t>
-            </a:r>
-            <a:endParaRPr lang="es-CO" dirty="0"/>
-          </a:p>
-        </p:txBody>
-      </p:sp>
-      <p:sp>
-        <p:nvSpPr>
           <p:cNvPr id="2" name="Título 1"/>
           <p:cNvSpPr>
             <a:spLocks noGrp="1"/>
@@ -10515,10 +10546,9 @@
           <a:lstStyle/>
           <a:p>
             <a:r>
-              <a:rPr lang="es-CO" dirty="0" smtClean="0"/>
+              <a:rPr lang="es-CO" dirty="0"/>
               <a:t>Adquisición y tratamiento de datos</a:t>
             </a:r>
-            <a:endParaRPr lang="es-CO" dirty="0"/>
           </a:p>
         </p:txBody>
       </p:sp>
@@ -10746,28 +10776,34 @@
       </p:sp>
       <p:grpSp>
         <p:nvGrpSpPr>
-          <p:cNvPr id="49" name="Grupo 48"/>
+          <p:cNvPr id="3" name="Grupo 2">
+            <a:extLst>
+              <a:ext uri="{FF2B5EF4-FFF2-40B4-BE49-F238E27FC236}">
+                <a16:creationId xmlns:a16="http://schemas.microsoft.com/office/drawing/2014/main" id="{C9EA62FA-DE7A-42D9-8DA9-EC1CAC77D1E7}"/>
+              </a:ext>
+            </a:extLst>
+          </p:cNvPr>
           <p:cNvGrpSpPr/>
           <p:nvPr/>
         </p:nvGrpSpPr>
         <p:grpSpPr>
           <a:xfrm>
-            <a:off x="936396" y="2431219"/>
-            <a:ext cx="6589008" cy="2734750"/>
-            <a:chOff x="654149" y="2438899"/>
-            <a:chExt cx="8498453" cy="3207130"/>
+            <a:off x="936396" y="2452484"/>
+            <a:ext cx="10928546" cy="3241537"/>
+            <a:chOff x="936396" y="2431219"/>
+            <a:chExt cx="10928546" cy="3241537"/>
           </a:xfrm>
         </p:grpSpPr>
         <p:sp>
           <p:nvSpPr>
-            <p:cNvPr id="38" name="CuadroTexto 37"/>
+            <p:cNvPr id="67" name="CuadroTexto 66"/>
             <p:cNvSpPr txBox="1"/>
             <p:nvPr/>
           </p:nvSpPr>
           <p:spPr>
             <a:xfrm>
-              <a:off x="7712685" y="3415787"/>
-              <a:ext cx="1439917" cy="646332"/>
+              <a:off x="10082125" y="3236765"/>
+              <a:ext cx="1782817" cy="923330"/>
             </a:xfrm>
             <a:prstGeom prst="rect">
               <a:avLst/>
@@ -10781,85 +10817,778 @@
             <a:lstStyle/>
             <a:p>
               <a:r>
-                <a:rPr lang="es-CO" dirty="0" smtClean="0"/>
-                <a:t>Promedio entre series</a:t>
+                <a:rPr lang="es-CO" dirty="0"/>
+                <a:t>Mejor estimativo y dispersión cada 500RPM</a:t>
               </a:r>
-              <a:endParaRPr lang="es-CO" dirty="0"/>
             </a:p>
           </p:txBody>
         </p:sp>
+        <p:grpSp>
+          <p:nvGrpSpPr>
+            <p:cNvPr id="49" name="Grupo 48"/>
+            <p:cNvGrpSpPr/>
+            <p:nvPr/>
+          </p:nvGrpSpPr>
+          <p:grpSpPr>
+            <a:xfrm>
+              <a:off x="936396" y="2431219"/>
+              <a:ext cx="6589008" cy="2734750"/>
+              <a:chOff x="654149" y="2438899"/>
+              <a:chExt cx="8498453" cy="3207130"/>
+            </a:xfrm>
+          </p:grpSpPr>
+          <p:sp>
+            <p:nvSpPr>
+              <p:cNvPr id="38" name="CuadroTexto 37"/>
+              <p:cNvSpPr txBox="1"/>
+              <p:nvPr/>
+            </p:nvSpPr>
+            <p:spPr>
+              <a:xfrm>
+                <a:off x="7712685" y="3415787"/>
+                <a:ext cx="1439917" cy="646332"/>
+              </a:xfrm>
+              <a:prstGeom prst="rect">
+                <a:avLst/>
+              </a:prstGeom>
+              <a:noFill/>
+            </p:spPr>
+            <p:txBody>
+              <a:bodyPr wrap="square" rtlCol="0">
+                <a:spAutoFit/>
+              </a:bodyPr>
+              <a:lstStyle/>
+              <a:p>
+                <a:r>
+                  <a:rPr lang="es-CO" dirty="0"/>
+                  <a:t>Promedio entre series</a:t>
+                </a:r>
+              </a:p>
+            </p:txBody>
+          </p:sp>
+          <p:sp>
+            <p:nvSpPr>
+              <p:cNvPr id="20" name="CuadroTexto 19"/>
+              <p:cNvSpPr txBox="1"/>
+              <p:nvPr/>
+            </p:nvSpPr>
+            <p:spPr>
+              <a:xfrm>
+                <a:off x="2597965" y="3434548"/>
+                <a:ext cx="1944413" cy="951430"/>
+              </a:xfrm>
+              <a:prstGeom prst="rect">
+                <a:avLst/>
+              </a:prstGeom>
+              <a:noFill/>
+            </p:spPr>
+            <p:txBody>
+              <a:bodyPr wrap="square" rtlCol="0">
+                <a:spAutoFit/>
+              </a:bodyPr>
+              <a:lstStyle/>
+              <a:p>
+                <a:r>
+                  <a:rPr lang="es-CO" dirty="0"/>
+                  <a:t>Adquisición mediante puertos seriales</a:t>
+                </a:r>
+              </a:p>
+            </p:txBody>
+          </p:sp>
+          <p:sp>
+            <p:nvSpPr>
+              <p:cNvPr id="9" name="CuadroTexto 8"/>
+              <p:cNvSpPr txBox="1"/>
+              <p:nvPr/>
+            </p:nvSpPr>
+            <p:spPr>
+              <a:xfrm>
+                <a:off x="5673356" y="2557059"/>
+                <a:ext cx="824265" cy="369332"/>
+              </a:xfrm>
+              <a:prstGeom prst="rect">
+                <a:avLst/>
+              </a:prstGeom>
+              <a:noFill/>
+            </p:spPr>
+            <p:txBody>
+              <a:bodyPr wrap="none" rtlCol="0">
+                <a:spAutoFit/>
+              </a:bodyPr>
+              <a:lstStyle/>
+              <a:p>
+                <a:r>
+                  <a:rPr lang="es-CO" dirty="0"/>
+                  <a:t>Serie 1</a:t>
+                </a:r>
+              </a:p>
+            </p:txBody>
+          </p:sp>
+          <p:sp>
+            <p:nvSpPr>
+              <p:cNvPr id="13" name="Elipse 12"/>
+              <p:cNvSpPr/>
+              <p:nvPr/>
+            </p:nvSpPr>
+            <p:spPr>
+              <a:xfrm>
+                <a:off x="654149" y="3729122"/>
+                <a:ext cx="1562629" cy="854501"/>
+              </a:xfrm>
+              <a:prstGeom prst="ellipse">
+                <a:avLst/>
+              </a:prstGeom>
+              <a:noFill/>
+            </p:spPr>
+            <p:style>
+              <a:lnRef idx="2">
+                <a:schemeClr val="accent1">
+                  <a:shade val="50000"/>
+                </a:schemeClr>
+              </a:lnRef>
+              <a:fillRef idx="1">
+                <a:schemeClr val="accent1"/>
+              </a:fillRef>
+              <a:effectRef idx="0">
+                <a:schemeClr val="accent1"/>
+              </a:effectRef>
+              <a:fontRef idx="minor">
+                <a:schemeClr val="lt1"/>
+              </a:fontRef>
+            </p:style>
+            <p:txBody>
+              <a:bodyPr rtlCol="0" anchor="ctr"/>
+              <a:lstStyle/>
+              <a:p>
+                <a:pPr algn="ctr"/>
+                <a:endParaRPr lang="es-CO"/>
+              </a:p>
+            </p:txBody>
+          </p:sp>
+          <p:sp>
+            <p:nvSpPr>
+              <p:cNvPr id="14" name="CuadroTexto 13"/>
+              <p:cNvSpPr txBox="1"/>
+              <p:nvPr/>
+            </p:nvSpPr>
+            <p:spPr>
+              <a:xfrm>
+                <a:off x="778560" y="3872196"/>
+                <a:ext cx="1066318" cy="369332"/>
+              </a:xfrm>
+              <a:prstGeom prst="rect">
+                <a:avLst/>
+              </a:prstGeom>
+              <a:noFill/>
+            </p:spPr>
+            <p:txBody>
+              <a:bodyPr wrap="none" rtlCol="0">
+                <a:spAutoFit/>
+              </a:bodyPr>
+              <a:lstStyle/>
+              <a:p>
+                <a:r>
+                  <a:rPr lang="es-CO" dirty="0"/>
+                  <a:t>Medición</a:t>
+                </a:r>
+              </a:p>
+            </p:txBody>
+          </p:sp>
+          <p:cxnSp>
+            <p:nvCxnSpPr>
+              <p:cNvPr id="16" name="Conector recto de flecha 15"/>
+              <p:cNvCxnSpPr>
+                <a:stCxn id="13" idx="6"/>
+                <a:endCxn id="19" idx="1"/>
+              </p:cNvCxnSpPr>
+              <p:nvPr/>
+            </p:nvCxnSpPr>
+            <p:spPr>
+              <a:xfrm>
+                <a:off x="2216778" y="4156373"/>
+                <a:ext cx="368285" cy="1"/>
+              </a:xfrm>
+              <a:prstGeom prst="straightConnector1">
+                <a:avLst/>
+              </a:prstGeom>
+              <a:ln>
+                <a:tailEnd type="triangle"/>
+              </a:ln>
+            </p:spPr>
+            <p:style>
+              <a:lnRef idx="1">
+                <a:schemeClr val="accent1"/>
+              </a:lnRef>
+              <a:fillRef idx="0">
+                <a:schemeClr val="accent1"/>
+              </a:fillRef>
+              <a:effectRef idx="0">
+                <a:schemeClr val="accent1"/>
+              </a:effectRef>
+              <a:fontRef idx="minor">
+                <a:schemeClr val="tx1"/>
+              </a:fontRef>
+            </p:style>
+          </p:cxnSp>
+          <p:sp>
+            <p:nvSpPr>
+              <p:cNvPr id="19" name="Rectángulo 18"/>
+              <p:cNvSpPr/>
+              <p:nvPr/>
+            </p:nvSpPr>
+            <p:spPr>
+              <a:xfrm>
+                <a:off x="2585062" y="3429784"/>
+                <a:ext cx="1957316" cy="1453178"/>
+              </a:xfrm>
+              <a:prstGeom prst="rect">
+                <a:avLst/>
+              </a:prstGeom>
+              <a:noFill/>
+            </p:spPr>
+            <p:style>
+              <a:lnRef idx="2">
+                <a:schemeClr val="accent1">
+                  <a:shade val="50000"/>
+                </a:schemeClr>
+              </a:lnRef>
+              <a:fillRef idx="1">
+                <a:schemeClr val="accent1"/>
+              </a:fillRef>
+              <a:effectRef idx="0">
+                <a:schemeClr val="accent1"/>
+              </a:effectRef>
+              <a:fontRef idx="minor">
+                <a:schemeClr val="lt1"/>
+              </a:fontRef>
+            </p:style>
+            <p:txBody>
+              <a:bodyPr rtlCol="0" anchor="ctr"/>
+              <a:lstStyle/>
+              <a:p>
+                <a:pPr algn="ctr"/>
+                <a:endParaRPr lang="es-CO"/>
+              </a:p>
+            </p:txBody>
+          </p:sp>
+          <p:cxnSp>
+            <p:nvCxnSpPr>
+              <p:cNvPr id="22" name="Conector recto de flecha 21"/>
+              <p:cNvCxnSpPr>
+                <a:stCxn id="20" idx="3"/>
+              </p:cNvCxnSpPr>
+              <p:nvPr/>
+            </p:nvCxnSpPr>
+            <p:spPr>
+              <a:xfrm>
+                <a:off x="4542378" y="3910263"/>
+                <a:ext cx="565650" cy="3488"/>
+              </a:xfrm>
+              <a:prstGeom prst="straightConnector1">
+                <a:avLst/>
+              </a:prstGeom>
+              <a:ln>
+                <a:tailEnd type="triangle"/>
+              </a:ln>
+            </p:spPr>
+            <p:style>
+              <a:lnRef idx="1">
+                <a:schemeClr val="accent1"/>
+              </a:lnRef>
+              <a:fillRef idx="0">
+                <a:schemeClr val="accent1"/>
+              </a:fillRef>
+              <a:effectRef idx="0">
+                <a:schemeClr val="accent1"/>
+              </a:effectRef>
+              <a:fontRef idx="minor">
+                <a:schemeClr val="tx1"/>
+              </a:fontRef>
+            </p:style>
+          </p:cxnSp>
+          <p:sp>
+            <p:nvSpPr>
+              <p:cNvPr id="24" name="Datos 23"/>
+              <p:cNvSpPr/>
+              <p:nvPr/>
+            </p:nvSpPr>
+            <p:spPr>
+              <a:xfrm>
+                <a:off x="5538952" y="2438899"/>
+                <a:ext cx="1322658" cy="782208"/>
+              </a:xfrm>
+              <a:prstGeom prst="flowChartInputOutput">
+                <a:avLst/>
+              </a:prstGeom>
+              <a:noFill/>
+            </p:spPr>
+            <p:style>
+              <a:lnRef idx="2">
+                <a:schemeClr val="accent1">
+                  <a:shade val="50000"/>
+                </a:schemeClr>
+              </a:lnRef>
+              <a:fillRef idx="1">
+                <a:schemeClr val="accent1"/>
+              </a:fillRef>
+              <a:effectRef idx="0">
+                <a:schemeClr val="accent1"/>
+              </a:effectRef>
+              <a:fontRef idx="minor">
+                <a:schemeClr val="lt1"/>
+              </a:fontRef>
+            </p:style>
+            <p:txBody>
+              <a:bodyPr rtlCol="0" anchor="ctr"/>
+              <a:lstStyle/>
+              <a:p>
+                <a:pPr algn="ctr"/>
+                <a:endParaRPr lang="es-CO"/>
+              </a:p>
+            </p:txBody>
+          </p:sp>
+          <p:sp>
+            <p:nvSpPr>
+              <p:cNvPr id="25" name="CuadroTexto 24"/>
+              <p:cNvSpPr txBox="1"/>
+              <p:nvPr/>
+            </p:nvSpPr>
+            <p:spPr>
+              <a:xfrm>
+                <a:off x="5673356" y="3702193"/>
+                <a:ext cx="824265" cy="369332"/>
+              </a:xfrm>
+              <a:prstGeom prst="rect">
+                <a:avLst/>
+              </a:prstGeom>
+              <a:noFill/>
+            </p:spPr>
+            <p:txBody>
+              <a:bodyPr wrap="none" rtlCol="0">
+                <a:spAutoFit/>
+              </a:bodyPr>
+              <a:lstStyle/>
+              <a:p>
+                <a:r>
+                  <a:rPr lang="es-CO" dirty="0"/>
+                  <a:t>Serie 2</a:t>
+                </a:r>
+              </a:p>
+            </p:txBody>
+          </p:sp>
+          <p:sp>
+            <p:nvSpPr>
+              <p:cNvPr id="26" name="Datos 25"/>
+              <p:cNvSpPr/>
+              <p:nvPr/>
+            </p:nvSpPr>
+            <p:spPr>
+              <a:xfrm>
+                <a:off x="5538952" y="3531890"/>
+                <a:ext cx="1322658" cy="756745"/>
+              </a:xfrm>
+              <a:prstGeom prst="flowChartInputOutput">
+                <a:avLst/>
+              </a:prstGeom>
+              <a:noFill/>
+            </p:spPr>
+            <p:style>
+              <a:lnRef idx="2">
+                <a:schemeClr val="accent1">
+                  <a:shade val="50000"/>
+                </a:schemeClr>
+              </a:lnRef>
+              <a:fillRef idx="1">
+                <a:schemeClr val="accent1"/>
+              </a:fillRef>
+              <a:effectRef idx="0">
+                <a:schemeClr val="accent1"/>
+              </a:effectRef>
+              <a:fontRef idx="minor">
+                <a:schemeClr val="lt1"/>
+              </a:fontRef>
+            </p:style>
+            <p:txBody>
+              <a:bodyPr rtlCol="0" anchor="ctr"/>
+              <a:lstStyle/>
+              <a:p>
+                <a:pPr algn="ctr"/>
+                <a:endParaRPr lang="es-CO"/>
+              </a:p>
+            </p:txBody>
+          </p:sp>
+          <p:sp>
+            <p:nvSpPr>
+              <p:cNvPr id="27" name="CuadroTexto 26"/>
+              <p:cNvSpPr txBox="1"/>
+              <p:nvPr/>
+            </p:nvSpPr>
+            <p:spPr>
+              <a:xfrm>
+                <a:off x="5673356" y="5053266"/>
+                <a:ext cx="824265" cy="369332"/>
+              </a:xfrm>
+              <a:prstGeom prst="rect">
+                <a:avLst/>
+              </a:prstGeom>
+              <a:noFill/>
+            </p:spPr>
+            <p:txBody>
+              <a:bodyPr wrap="none" rtlCol="0">
+                <a:spAutoFit/>
+              </a:bodyPr>
+              <a:lstStyle/>
+              <a:p>
+                <a:r>
+                  <a:rPr lang="es-CO" dirty="0"/>
+                  <a:t>Serie 3</a:t>
+                </a:r>
+              </a:p>
+            </p:txBody>
+          </p:sp>
+          <p:sp>
+            <p:nvSpPr>
+              <p:cNvPr id="28" name="Datos 27"/>
+              <p:cNvSpPr/>
+              <p:nvPr/>
+            </p:nvSpPr>
+            <p:spPr>
+              <a:xfrm>
+                <a:off x="5538952" y="4882961"/>
+                <a:ext cx="1322658" cy="763068"/>
+              </a:xfrm>
+              <a:prstGeom prst="flowChartInputOutput">
+                <a:avLst/>
+              </a:prstGeom>
+              <a:noFill/>
+            </p:spPr>
+            <p:style>
+              <a:lnRef idx="2">
+                <a:schemeClr val="accent1">
+                  <a:shade val="50000"/>
+                </a:schemeClr>
+              </a:lnRef>
+              <a:fillRef idx="1">
+                <a:schemeClr val="accent1"/>
+              </a:fillRef>
+              <a:effectRef idx="0">
+                <a:schemeClr val="accent1"/>
+              </a:effectRef>
+              <a:fontRef idx="minor">
+                <a:schemeClr val="lt1"/>
+              </a:fontRef>
+            </p:style>
+            <p:txBody>
+              <a:bodyPr rtlCol="0" anchor="ctr"/>
+              <a:lstStyle/>
+              <a:p>
+                <a:pPr algn="ctr"/>
+                <a:endParaRPr lang="es-CO"/>
+              </a:p>
+            </p:txBody>
+          </p:sp>
+          <p:cxnSp>
+            <p:nvCxnSpPr>
+              <p:cNvPr id="30" name="Conector recto de flecha 29"/>
+              <p:cNvCxnSpPr>
+                <a:endCxn id="27" idx="1"/>
+              </p:cNvCxnSpPr>
+              <p:nvPr/>
+            </p:nvCxnSpPr>
+            <p:spPr>
+              <a:xfrm>
+                <a:off x="5108028" y="3939990"/>
+                <a:ext cx="565328" cy="1297942"/>
+              </a:xfrm>
+              <a:prstGeom prst="straightConnector1">
+                <a:avLst/>
+              </a:prstGeom>
+              <a:ln>
+                <a:tailEnd type="triangle"/>
+              </a:ln>
+            </p:spPr>
+            <p:style>
+              <a:lnRef idx="1">
+                <a:schemeClr val="accent1"/>
+              </a:lnRef>
+              <a:fillRef idx="0">
+                <a:schemeClr val="accent1"/>
+              </a:fillRef>
+              <a:effectRef idx="0">
+                <a:schemeClr val="accent1"/>
+              </a:effectRef>
+              <a:fontRef idx="minor">
+                <a:schemeClr val="tx1"/>
+              </a:fontRef>
+            </p:style>
+          </p:cxnSp>
+          <p:cxnSp>
+            <p:nvCxnSpPr>
+              <p:cNvPr id="34" name="Conector recto de flecha 33"/>
+              <p:cNvCxnSpPr>
+                <a:endCxn id="26" idx="2"/>
+              </p:cNvCxnSpPr>
+              <p:nvPr/>
+            </p:nvCxnSpPr>
+            <p:spPr>
+              <a:xfrm>
+                <a:off x="5108028" y="3910263"/>
+                <a:ext cx="563189" cy="0"/>
+              </a:xfrm>
+              <a:prstGeom prst="straightConnector1">
+                <a:avLst/>
+              </a:prstGeom>
+              <a:ln>
+                <a:tailEnd type="triangle"/>
+              </a:ln>
+            </p:spPr>
+            <p:style>
+              <a:lnRef idx="1">
+                <a:schemeClr val="accent1"/>
+              </a:lnRef>
+              <a:fillRef idx="0">
+                <a:schemeClr val="accent1"/>
+              </a:fillRef>
+              <a:effectRef idx="0">
+                <a:schemeClr val="accent1"/>
+              </a:effectRef>
+              <a:fontRef idx="minor">
+                <a:schemeClr val="tx1"/>
+              </a:fontRef>
+            </p:style>
+          </p:cxnSp>
+          <p:cxnSp>
+            <p:nvCxnSpPr>
+              <p:cNvPr id="36" name="Conector recto de flecha 35"/>
+              <p:cNvCxnSpPr>
+                <a:endCxn id="24" idx="2"/>
+              </p:cNvCxnSpPr>
+              <p:nvPr/>
+            </p:nvCxnSpPr>
+            <p:spPr>
+              <a:xfrm flipV="1">
+                <a:off x="5108028" y="2830003"/>
+                <a:ext cx="563189" cy="1132405"/>
+              </a:xfrm>
+              <a:prstGeom prst="straightConnector1">
+                <a:avLst/>
+              </a:prstGeom>
+              <a:ln>
+                <a:tailEnd type="triangle"/>
+              </a:ln>
+            </p:spPr>
+            <p:style>
+              <a:lnRef idx="1">
+                <a:schemeClr val="accent1"/>
+              </a:lnRef>
+              <a:fillRef idx="0">
+                <a:schemeClr val="accent1"/>
+              </a:fillRef>
+              <a:effectRef idx="0">
+                <a:schemeClr val="accent1"/>
+              </a:effectRef>
+              <a:fontRef idx="minor">
+                <a:schemeClr val="tx1"/>
+              </a:fontRef>
+            </p:style>
+          </p:cxnSp>
+          <p:sp>
+            <p:nvSpPr>
+              <p:cNvPr id="37" name="Rectángulo 36"/>
+              <p:cNvSpPr/>
+              <p:nvPr/>
+            </p:nvSpPr>
+            <p:spPr>
+              <a:xfrm>
+                <a:off x="7597071" y="3382664"/>
+                <a:ext cx="1555531" cy="1086091"/>
+              </a:xfrm>
+              <a:prstGeom prst="rect">
+                <a:avLst/>
+              </a:prstGeom>
+              <a:noFill/>
+            </p:spPr>
+            <p:style>
+              <a:lnRef idx="2">
+                <a:schemeClr val="accent1">
+                  <a:shade val="50000"/>
+                </a:schemeClr>
+              </a:lnRef>
+              <a:fillRef idx="1">
+                <a:schemeClr val="accent1"/>
+              </a:fillRef>
+              <a:effectRef idx="0">
+                <a:schemeClr val="accent1"/>
+              </a:effectRef>
+              <a:fontRef idx="minor">
+                <a:schemeClr val="lt1"/>
+              </a:fontRef>
+            </p:style>
+            <p:txBody>
+              <a:bodyPr rtlCol="0" anchor="ctr"/>
+              <a:lstStyle/>
+              <a:p>
+                <a:pPr algn="ctr"/>
+                <a:endParaRPr lang="es-CO"/>
+              </a:p>
+            </p:txBody>
+          </p:sp>
+          <p:cxnSp>
+            <p:nvCxnSpPr>
+              <p:cNvPr id="40" name="Conector recto de flecha 39"/>
+              <p:cNvCxnSpPr>
+                <a:stCxn id="24" idx="5"/>
+                <a:endCxn id="37" idx="1"/>
+              </p:cNvCxnSpPr>
+              <p:nvPr/>
+            </p:nvCxnSpPr>
+            <p:spPr>
+              <a:xfrm>
+                <a:off x="6729344" y="2830003"/>
+                <a:ext cx="867727" cy="1095706"/>
+              </a:xfrm>
+              <a:prstGeom prst="straightConnector1">
+                <a:avLst/>
+              </a:prstGeom>
+              <a:ln>
+                <a:tailEnd type="triangle"/>
+              </a:ln>
+            </p:spPr>
+            <p:style>
+              <a:lnRef idx="1">
+                <a:schemeClr val="accent1"/>
+              </a:lnRef>
+              <a:fillRef idx="0">
+                <a:schemeClr val="accent1"/>
+              </a:fillRef>
+              <a:effectRef idx="0">
+                <a:schemeClr val="accent1"/>
+              </a:effectRef>
+              <a:fontRef idx="minor">
+                <a:schemeClr val="tx1"/>
+              </a:fontRef>
+            </p:style>
+          </p:cxnSp>
+          <p:cxnSp>
+            <p:nvCxnSpPr>
+              <p:cNvPr id="43" name="Conector recto de flecha 42"/>
+              <p:cNvCxnSpPr>
+                <a:stCxn id="26" idx="5"/>
+                <a:endCxn id="37" idx="1"/>
+              </p:cNvCxnSpPr>
+              <p:nvPr/>
+            </p:nvCxnSpPr>
+            <p:spPr>
+              <a:xfrm>
+                <a:off x="6729344" y="3910263"/>
+                <a:ext cx="867727" cy="15446"/>
+              </a:xfrm>
+              <a:prstGeom prst="straightConnector1">
+                <a:avLst/>
+              </a:prstGeom>
+              <a:ln>
+                <a:tailEnd type="triangle"/>
+              </a:ln>
+            </p:spPr>
+            <p:style>
+              <a:lnRef idx="1">
+                <a:schemeClr val="accent1"/>
+              </a:lnRef>
+              <a:fillRef idx="0">
+                <a:schemeClr val="accent1"/>
+              </a:fillRef>
+              <a:effectRef idx="0">
+                <a:schemeClr val="accent1"/>
+              </a:effectRef>
+              <a:fontRef idx="minor">
+                <a:schemeClr val="tx1"/>
+              </a:fontRef>
+            </p:style>
+          </p:cxnSp>
+          <p:cxnSp>
+            <p:nvCxnSpPr>
+              <p:cNvPr id="45" name="Conector recto de flecha 44"/>
+              <p:cNvCxnSpPr>
+                <a:stCxn id="28" idx="5"/>
+                <a:endCxn id="37" idx="1"/>
+              </p:cNvCxnSpPr>
+              <p:nvPr/>
+            </p:nvCxnSpPr>
+            <p:spPr>
+              <a:xfrm flipV="1">
+                <a:off x="6729344" y="3925709"/>
+                <a:ext cx="867727" cy="1338787"/>
+              </a:xfrm>
+              <a:prstGeom prst="straightConnector1">
+                <a:avLst/>
+              </a:prstGeom>
+              <a:ln>
+                <a:tailEnd type="triangle"/>
+              </a:ln>
+            </p:spPr>
+            <p:style>
+              <a:lnRef idx="1">
+                <a:schemeClr val="accent1"/>
+              </a:lnRef>
+              <a:fillRef idx="0">
+                <a:schemeClr val="accent1"/>
+              </a:fillRef>
+              <a:effectRef idx="0">
+                <a:schemeClr val="accent1"/>
+              </a:effectRef>
+              <a:fontRef idx="minor">
+                <a:schemeClr val="tx1"/>
+              </a:fontRef>
+            </p:style>
+          </p:cxnSp>
+        </p:grpSp>
+        <p:cxnSp>
+          <p:nvCxnSpPr>
+            <p:cNvPr id="62" name="Conector recto de flecha 61"/>
+            <p:cNvCxnSpPr>
+              <a:stCxn id="37" idx="3"/>
+            </p:cNvCxnSpPr>
+            <p:nvPr/>
+          </p:nvCxnSpPr>
+          <p:spPr>
+            <a:xfrm>
+              <a:off x="7525404" y="3699036"/>
+              <a:ext cx="570217" cy="0"/>
+            </a:xfrm>
+            <a:prstGeom prst="straightConnector1">
+              <a:avLst/>
+            </a:prstGeom>
+            <a:ln>
+              <a:tailEnd type="triangle"/>
+            </a:ln>
+          </p:spPr>
+          <p:style>
+            <a:lnRef idx="1">
+              <a:schemeClr val="accent1"/>
+            </a:lnRef>
+            <a:fillRef idx="0">
+              <a:schemeClr val="accent1"/>
+            </a:fillRef>
+            <a:effectRef idx="0">
+              <a:schemeClr val="accent1"/>
+            </a:effectRef>
+            <a:fontRef idx="minor">
+              <a:schemeClr val="tx1"/>
+            </a:fontRef>
+          </p:style>
+        </p:cxnSp>
         <p:sp>
           <p:nvSpPr>
-            <p:cNvPr id="20" name="CuadroTexto 19"/>
-            <p:cNvSpPr txBox="1"/>
-            <p:nvPr/>
-          </p:nvSpPr>
-          <p:spPr>
-            <a:xfrm>
-              <a:off x="2597965" y="3434548"/>
-              <a:ext cx="1944413" cy="951430"/>
-            </a:xfrm>
-            <a:prstGeom prst="rect">
-              <a:avLst/>
-            </a:prstGeom>
-            <a:noFill/>
-          </p:spPr>
-          <p:txBody>
-            <a:bodyPr wrap="square" rtlCol="0">
-              <a:spAutoFit/>
-            </a:bodyPr>
-            <a:lstStyle/>
-            <a:p>
-              <a:r>
-                <a:rPr lang="es-CO" dirty="0" smtClean="0"/>
-                <a:t>Adquisición mediante puertos seriales</a:t>
-              </a:r>
-              <a:endParaRPr lang="es-CO" dirty="0"/>
-            </a:p>
-          </p:txBody>
-        </p:sp>
-        <p:sp>
-          <p:nvSpPr>
-            <p:cNvPr id="9" name="CuadroTexto 8"/>
-            <p:cNvSpPr txBox="1"/>
-            <p:nvPr/>
-          </p:nvSpPr>
-          <p:spPr>
-            <a:xfrm>
-              <a:off x="5673356" y="2557059"/>
-              <a:ext cx="824265" cy="369332"/>
-            </a:xfrm>
-            <a:prstGeom prst="rect">
-              <a:avLst/>
-            </a:prstGeom>
-            <a:noFill/>
-          </p:spPr>
-          <p:txBody>
-            <a:bodyPr wrap="none" rtlCol="0">
-              <a:spAutoFit/>
-            </a:bodyPr>
-            <a:lstStyle/>
-            <a:p>
-              <a:r>
-                <a:rPr lang="es-CO" dirty="0" smtClean="0"/>
-                <a:t>Serie 1</a:t>
-              </a:r>
-              <a:endParaRPr lang="es-CO" dirty="0"/>
-            </a:p>
-          </p:txBody>
-        </p:sp>
-        <p:sp>
-          <p:nvSpPr>
-            <p:cNvPr id="13" name="Elipse 12"/>
+            <p:cNvPr id="64" name="Rectángulo 63"/>
             <p:cNvSpPr/>
             <p:nvPr/>
           </p:nvSpPr>
           <p:spPr>
             <a:xfrm>
-              <a:off x="654149" y="3729122"/>
-              <a:ext cx="1562629" cy="854501"/>
+              <a:off x="8103649" y="3122433"/>
+              <a:ext cx="1410989" cy="1173693"/>
             </a:xfrm>
-            <a:prstGeom prst="ellipse">
+            <a:prstGeom prst="rect">
               <a:avLst/>
             </a:prstGeom>
             <a:noFill/>
@@ -10889,82 +11618,110 @@
             </a:p>
           </p:txBody>
         </p:sp>
+        <mc:AlternateContent xmlns:mc="http://schemas.openxmlformats.org/markup-compatibility/2006">
+          <mc:Choice xmlns:a14="http://schemas.microsoft.com/office/drawing/2010/main" Requires="a14">
+            <p:sp>
+              <p:nvSpPr>
+                <p:cNvPr id="65" name="CuadroTexto 64"/>
+                <p:cNvSpPr txBox="1"/>
+                <p:nvPr/>
+              </p:nvSpPr>
+              <p:spPr>
+                <a:xfrm>
+                  <a:off x="8250946" y="3192472"/>
+                  <a:ext cx="1116394" cy="1138773"/>
+                </a:xfrm>
+                <a:prstGeom prst="rect">
+                  <a:avLst/>
+                </a:prstGeom>
+                <a:noFill/>
+              </p:spPr>
+              <p:txBody>
+                <a:bodyPr wrap="square" rtlCol="0">
+                  <a:spAutoFit/>
+                </a:bodyPr>
+                <a:lstStyle/>
+                <a:p>
+                  <a:r>
+                    <a:rPr lang="es-CO" dirty="0"/>
+                    <a:t>Análisis de datos atípicos </a:t>
+                  </a:r>
+                  <a14:m>
+                    <m:oMath xmlns:m="http://schemas.openxmlformats.org/officeDocument/2006/math">
+                      <m:r>
+                        <a:rPr lang="es-CO" sz="1400" b="0" i="0" smtClean="0">
+                          <a:latin typeface="Cambria Math" panose="02040503050406030204" pitchFamily="18" charset="0"/>
+                        </a:rPr>
+                        <m:t>(</m:t>
+                      </m:r>
+                      <m:r>
+                        <a:rPr lang="es-CO" sz="1400" b="0" i="1" smtClean="0">
+                          <a:latin typeface="Cambria Math" panose="02040503050406030204" pitchFamily="18" charset="0"/>
+                        </a:rPr>
+                        <m:t>𝐶h𝑎𝑢𝑣𝑒𝑛𝑒𝑡</m:t>
+                      </m:r>
+                      <m:r>
+                        <a:rPr lang="es-CO" sz="1400" b="0" i="1" smtClean="0">
+                          <a:latin typeface="Cambria Math" panose="02040503050406030204" pitchFamily="18" charset="0"/>
+                        </a:rPr>
+                        <m:t>)</m:t>
+                      </m:r>
+                    </m:oMath>
+                  </a14:m>
+                  <a:endParaRPr lang="es-CO" dirty="0"/>
+                </a:p>
+              </p:txBody>
+            </p:sp>
+          </mc:Choice>
+          <mc:Fallback>
+            <p:sp>
+              <p:nvSpPr>
+                <p:cNvPr id="65" name="CuadroTexto 64"/>
+                <p:cNvSpPr txBox="1">
+                  <a:spLocks noRot="1" noChangeAspect="1" noMove="1" noResize="1" noEditPoints="1" noAdjustHandles="1" noChangeArrowheads="1" noChangeShapeType="1" noTextEdit="1"/>
+                </p:cNvSpPr>
+                <p:nvPr/>
+              </p:nvSpPr>
+              <p:spPr>
+                <a:xfrm>
+                  <a:off x="8250946" y="3192472"/>
+                  <a:ext cx="1116394" cy="1138773"/>
+                </a:xfrm>
+                <a:prstGeom prst="rect">
+                  <a:avLst/>
+                </a:prstGeom>
+                <a:blipFill>
+                  <a:blip r:embed="rId2"/>
+                  <a:stretch>
+                    <a:fillRect l="-4918" t="-2674" r="-4918" b="-1070"/>
+                  </a:stretch>
+                </a:blipFill>
+              </p:spPr>
+              <p:txBody>
+                <a:bodyPr/>
+                <a:lstStyle/>
+                <a:p>
+                  <a:r>
+                    <a:rPr lang="es-ES">
+                      <a:noFill/>
+                    </a:rPr>
+                    <a:t> </a:t>
+                  </a:r>
+                </a:p>
+              </p:txBody>
+            </p:sp>
+          </mc:Fallback>
+        </mc:AlternateContent>
         <p:sp>
           <p:nvSpPr>
-            <p:cNvPr id="14" name="CuadroTexto 13"/>
-            <p:cNvSpPr txBox="1"/>
-            <p:nvPr/>
-          </p:nvSpPr>
-          <p:spPr>
-            <a:xfrm>
-              <a:off x="778560" y="3872196"/>
-              <a:ext cx="1066318" cy="369332"/>
-            </a:xfrm>
-            <a:prstGeom prst="rect">
-              <a:avLst/>
-            </a:prstGeom>
-            <a:noFill/>
-          </p:spPr>
-          <p:txBody>
-            <a:bodyPr wrap="none" rtlCol="0">
-              <a:spAutoFit/>
-            </a:bodyPr>
-            <a:lstStyle/>
-            <a:p>
-              <a:r>
-                <a:rPr lang="es-CO" dirty="0" smtClean="0"/>
-                <a:t>Medición</a:t>
-              </a:r>
-              <a:endParaRPr lang="es-CO" dirty="0"/>
-            </a:p>
-          </p:txBody>
-        </p:sp>
-        <p:cxnSp>
-          <p:nvCxnSpPr>
-            <p:cNvPr id="16" name="Conector recto de flecha 15"/>
-            <p:cNvCxnSpPr>
-              <a:stCxn id="13" idx="6"/>
-              <a:endCxn id="19" idx="1"/>
-            </p:cNvCxnSpPr>
-            <p:nvPr/>
-          </p:nvCxnSpPr>
-          <p:spPr>
-            <a:xfrm>
-              <a:off x="2216778" y="4156373"/>
-              <a:ext cx="368285" cy="1"/>
-            </a:xfrm>
-            <a:prstGeom prst="straightConnector1">
-              <a:avLst/>
-            </a:prstGeom>
-            <a:ln>
-              <a:tailEnd type="triangle"/>
-            </a:ln>
-          </p:spPr>
-          <p:style>
-            <a:lnRef idx="1">
-              <a:schemeClr val="accent1"/>
-            </a:lnRef>
-            <a:fillRef idx="0">
-              <a:schemeClr val="accent1"/>
-            </a:fillRef>
-            <a:effectRef idx="0">
-              <a:schemeClr val="accent1"/>
-            </a:effectRef>
-            <a:fontRef idx="minor">
-              <a:schemeClr val="tx1"/>
-            </a:fontRef>
-          </p:style>
-        </p:cxnSp>
-        <p:sp>
-          <p:nvSpPr>
-            <p:cNvPr id="19" name="Rectángulo 18"/>
+            <p:cNvPr id="66" name="Rectángulo 65"/>
             <p:cNvSpPr/>
             <p:nvPr/>
           </p:nvSpPr>
           <p:spPr>
             <a:xfrm>
-              <a:off x="2585062" y="3429784"/>
-              <a:ext cx="1957316" cy="1453178"/>
+              <a:off x="10120468" y="3309079"/>
+              <a:ext cx="1712200" cy="807983"/>
             </a:xfrm>
             <a:prstGeom prst="rect">
               <a:avLst/>
@@ -10998,16 +11755,14 @@
         </p:sp>
         <p:cxnSp>
           <p:nvCxnSpPr>
-            <p:cNvPr id="22" name="Conector recto de flecha 21"/>
-            <p:cNvCxnSpPr>
-              <a:stCxn id="20" idx="3"/>
-            </p:cNvCxnSpPr>
+            <p:cNvPr id="68" name="Conector recto de flecha 67"/>
+            <p:cNvCxnSpPr/>
             <p:nvPr/>
           </p:nvCxnSpPr>
           <p:spPr>
             <a:xfrm>
-              <a:off x="4542378" y="3910263"/>
-              <a:ext cx="565650" cy="3488"/>
+              <a:off x="9538873" y="3700830"/>
+              <a:ext cx="570217" cy="0"/>
             </a:xfrm>
             <a:prstGeom prst="straightConnector1">
               <a:avLst/>
@@ -11033,55 +11788,14 @@
         </p:cxnSp>
         <p:sp>
           <p:nvSpPr>
-            <p:cNvPr id="24" name="Datos 23"/>
-            <p:cNvSpPr/>
-            <p:nvPr/>
-          </p:nvSpPr>
-          <p:spPr>
-            <a:xfrm>
-              <a:off x="5538952" y="2438899"/>
-              <a:ext cx="1322658" cy="782208"/>
-            </a:xfrm>
-            <a:prstGeom prst="flowChartInputOutput">
-              <a:avLst/>
-            </a:prstGeom>
-            <a:noFill/>
-          </p:spPr>
-          <p:style>
-            <a:lnRef idx="2">
-              <a:schemeClr val="accent1">
-                <a:shade val="50000"/>
-              </a:schemeClr>
-            </a:lnRef>
-            <a:fillRef idx="1">
-              <a:schemeClr val="accent1"/>
-            </a:fillRef>
-            <a:effectRef idx="0">
-              <a:schemeClr val="accent1"/>
-            </a:effectRef>
-            <a:fontRef idx="minor">
-              <a:schemeClr val="lt1"/>
-            </a:fontRef>
-          </p:style>
-          <p:txBody>
-            <a:bodyPr rtlCol="0" anchor="ctr"/>
-            <a:lstStyle/>
-            <a:p>
-              <a:pPr algn="ctr"/>
-              <a:endParaRPr lang="es-CO"/>
-            </a:p>
-          </p:txBody>
-        </p:sp>
-        <p:sp>
-          <p:nvSpPr>
-            <p:cNvPr id="25" name="CuadroTexto 24"/>
+            <p:cNvPr id="72" name="CuadroTexto 71"/>
             <p:cNvSpPr txBox="1"/>
             <p:nvPr/>
           </p:nvSpPr>
           <p:spPr>
             <a:xfrm>
-              <a:off x="5673356" y="3702193"/>
-              <a:ext cx="824265" cy="369332"/>
+              <a:off x="4425934" y="5303424"/>
+              <a:ext cx="1442959" cy="369332"/>
             </a:xfrm>
             <a:prstGeom prst="rect">
               <a:avLst/>
@@ -11095,662 +11809,21 @@
             <a:lstStyle/>
             <a:p>
               <a:r>
-                <a:rPr lang="es-CO" dirty="0" smtClean="0"/>
-                <a:t>Serie 2</a:t>
+                <a:rPr lang="es-CO" dirty="0"/>
+                <a:t>(</a:t>
               </a:r>
-              <a:endParaRPr lang="es-CO" dirty="0"/>
+              <a:r>
+                <a:rPr lang="es-CO" dirty="0" err="1"/>
+                <a:t>DataFrames</a:t>
+              </a:r>
+              <a:r>
+                <a:rPr lang="es-CO" dirty="0"/>
+                <a:t>)</a:t>
+              </a:r>
             </a:p>
           </p:txBody>
         </p:sp>
-        <p:sp>
-          <p:nvSpPr>
-            <p:cNvPr id="26" name="Datos 25"/>
-            <p:cNvSpPr/>
-            <p:nvPr/>
-          </p:nvSpPr>
-          <p:spPr>
-            <a:xfrm>
-              <a:off x="5538952" y="3531890"/>
-              <a:ext cx="1322658" cy="756745"/>
-            </a:xfrm>
-            <a:prstGeom prst="flowChartInputOutput">
-              <a:avLst/>
-            </a:prstGeom>
-            <a:noFill/>
-          </p:spPr>
-          <p:style>
-            <a:lnRef idx="2">
-              <a:schemeClr val="accent1">
-                <a:shade val="50000"/>
-              </a:schemeClr>
-            </a:lnRef>
-            <a:fillRef idx="1">
-              <a:schemeClr val="accent1"/>
-            </a:fillRef>
-            <a:effectRef idx="0">
-              <a:schemeClr val="accent1"/>
-            </a:effectRef>
-            <a:fontRef idx="minor">
-              <a:schemeClr val="lt1"/>
-            </a:fontRef>
-          </p:style>
-          <p:txBody>
-            <a:bodyPr rtlCol="0" anchor="ctr"/>
-            <a:lstStyle/>
-            <a:p>
-              <a:pPr algn="ctr"/>
-              <a:endParaRPr lang="es-CO"/>
-            </a:p>
-          </p:txBody>
-        </p:sp>
-        <p:sp>
-          <p:nvSpPr>
-            <p:cNvPr id="27" name="CuadroTexto 26"/>
-            <p:cNvSpPr txBox="1"/>
-            <p:nvPr/>
-          </p:nvSpPr>
-          <p:spPr>
-            <a:xfrm>
-              <a:off x="5673356" y="5053266"/>
-              <a:ext cx="824265" cy="369332"/>
-            </a:xfrm>
-            <a:prstGeom prst="rect">
-              <a:avLst/>
-            </a:prstGeom>
-            <a:noFill/>
-          </p:spPr>
-          <p:txBody>
-            <a:bodyPr wrap="none" rtlCol="0">
-              <a:spAutoFit/>
-            </a:bodyPr>
-            <a:lstStyle/>
-            <a:p>
-              <a:r>
-                <a:rPr lang="es-CO" dirty="0" smtClean="0"/>
-                <a:t>Serie 3</a:t>
-              </a:r>
-              <a:endParaRPr lang="es-CO" dirty="0"/>
-            </a:p>
-          </p:txBody>
-        </p:sp>
-        <p:sp>
-          <p:nvSpPr>
-            <p:cNvPr id="28" name="Datos 27"/>
-            <p:cNvSpPr/>
-            <p:nvPr/>
-          </p:nvSpPr>
-          <p:spPr>
-            <a:xfrm>
-              <a:off x="5538952" y="4882961"/>
-              <a:ext cx="1322658" cy="763068"/>
-            </a:xfrm>
-            <a:prstGeom prst="flowChartInputOutput">
-              <a:avLst/>
-            </a:prstGeom>
-            <a:noFill/>
-          </p:spPr>
-          <p:style>
-            <a:lnRef idx="2">
-              <a:schemeClr val="accent1">
-                <a:shade val="50000"/>
-              </a:schemeClr>
-            </a:lnRef>
-            <a:fillRef idx="1">
-              <a:schemeClr val="accent1"/>
-            </a:fillRef>
-            <a:effectRef idx="0">
-              <a:schemeClr val="accent1"/>
-            </a:effectRef>
-            <a:fontRef idx="minor">
-              <a:schemeClr val="lt1"/>
-            </a:fontRef>
-          </p:style>
-          <p:txBody>
-            <a:bodyPr rtlCol="0" anchor="ctr"/>
-            <a:lstStyle/>
-            <a:p>
-              <a:pPr algn="ctr"/>
-              <a:endParaRPr lang="es-CO"/>
-            </a:p>
-          </p:txBody>
-        </p:sp>
-        <p:cxnSp>
-          <p:nvCxnSpPr>
-            <p:cNvPr id="30" name="Conector recto de flecha 29"/>
-            <p:cNvCxnSpPr>
-              <a:endCxn id="27" idx="1"/>
-            </p:cNvCxnSpPr>
-            <p:nvPr/>
-          </p:nvCxnSpPr>
-          <p:spPr>
-            <a:xfrm>
-              <a:off x="5108028" y="3939990"/>
-              <a:ext cx="565328" cy="1297942"/>
-            </a:xfrm>
-            <a:prstGeom prst="straightConnector1">
-              <a:avLst/>
-            </a:prstGeom>
-            <a:ln>
-              <a:tailEnd type="triangle"/>
-            </a:ln>
-          </p:spPr>
-          <p:style>
-            <a:lnRef idx="1">
-              <a:schemeClr val="accent1"/>
-            </a:lnRef>
-            <a:fillRef idx="0">
-              <a:schemeClr val="accent1"/>
-            </a:fillRef>
-            <a:effectRef idx="0">
-              <a:schemeClr val="accent1"/>
-            </a:effectRef>
-            <a:fontRef idx="minor">
-              <a:schemeClr val="tx1"/>
-            </a:fontRef>
-          </p:style>
-        </p:cxnSp>
-        <p:cxnSp>
-          <p:nvCxnSpPr>
-            <p:cNvPr id="34" name="Conector recto de flecha 33"/>
-            <p:cNvCxnSpPr>
-              <a:endCxn id="26" idx="2"/>
-            </p:cNvCxnSpPr>
-            <p:nvPr/>
-          </p:nvCxnSpPr>
-          <p:spPr>
-            <a:xfrm>
-              <a:off x="5108028" y="3910263"/>
-              <a:ext cx="563189" cy="0"/>
-            </a:xfrm>
-            <a:prstGeom prst="straightConnector1">
-              <a:avLst/>
-            </a:prstGeom>
-            <a:ln>
-              <a:tailEnd type="triangle"/>
-            </a:ln>
-          </p:spPr>
-          <p:style>
-            <a:lnRef idx="1">
-              <a:schemeClr val="accent1"/>
-            </a:lnRef>
-            <a:fillRef idx="0">
-              <a:schemeClr val="accent1"/>
-            </a:fillRef>
-            <a:effectRef idx="0">
-              <a:schemeClr val="accent1"/>
-            </a:effectRef>
-            <a:fontRef idx="minor">
-              <a:schemeClr val="tx1"/>
-            </a:fontRef>
-          </p:style>
-        </p:cxnSp>
-        <p:cxnSp>
-          <p:nvCxnSpPr>
-            <p:cNvPr id="36" name="Conector recto de flecha 35"/>
-            <p:cNvCxnSpPr>
-              <a:endCxn id="24" idx="2"/>
-            </p:cNvCxnSpPr>
-            <p:nvPr/>
-          </p:nvCxnSpPr>
-          <p:spPr>
-            <a:xfrm flipV="1">
-              <a:off x="5108028" y="2830003"/>
-              <a:ext cx="563189" cy="1132405"/>
-            </a:xfrm>
-            <a:prstGeom prst="straightConnector1">
-              <a:avLst/>
-            </a:prstGeom>
-            <a:ln>
-              <a:tailEnd type="triangle"/>
-            </a:ln>
-          </p:spPr>
-          <p:style>
-            <a:lnRef idx="1">
-              <a:schemeClr val="accent1"/>
-            </a:lnRef>
-            <a:fillRef idx="0">
-              <a:schemeClr val="accent1"/>
-            </a:fillRef>
-            <a:effectRef idx="0">
-              <a:schemeClr val="accent1"/>
-            </a:effectRef>
-            <a:fontRef idx="minor">
-              <a:schemeClr val="tx1"/>
-            </a:fontRef>
-          </p:style>
-        </p:cxnSp>
-        <p:sp>
-          <p:nvSpPr>
-            <p:cNvPr id="37" name="Rectángulo 36"/>
-            <p:cNvSpPr/>
-            <p:nvPr/>
-          </p:nvSpPr>
-          <p:spPr>
-            <a:xfrm>
-              <a:off x="7597071" y="3382664"/>
-              <a:ext cx="1555531" cy="1086091"/>
-            </a:xfrm>
-            <a:prstGeom prst="rect">
-              <a:avLst/>
-            </a:prstGeom>
-            <a:noFill/>
-          </p:spPr>
-          <p:style>
-            <a:lnRef idx="2">
-              <a:schemeClr val="accent1">
-                <a:shade val="50000"/>
-              </a:schemeClr>
-            </a:lnRef>
-            <a:fillRef idx="1">
-              <a:schemeClr val="accent1"/>
-            </a:fillRef>
-            <a:effectRef idx="0">
-              <a:schemeClr val="accent1"/>
-            </a:effectRef>
-            <a:fontRef idx="minor">
-              <a:schemeClr val="lt1"/>
-            </a:fontRef>
-          </p:style>
-          <p:txBody>
-            <a:bodyPr rtlCol="0" anchor="ctr"/>
-            <a:lstStyle/>
-            <a:p>
-              <a:pPr algn="ctr"/>
-              <a:endParaRPr lang="es-CO"/>
-            </a:p>
-          </p:txBody>
-        </p:sp>
-        <p:cxnSp>
-          <p:nvCxnSpPr>
-            <p:cNvPr id="40" name="Conector recto de flecha 39"/>
-            <p:cNvCxnSpPr>
-              <a:stCxn id="24" idx="5"/>
-              <a:endCxn id="37" idx="1"/>
-            </p:cNvCxnSpPr>
-            <p:nvPr/>
-          </p:nvCxnSpPr>
-          <p:spPr>
-            <a:xfrm>
-              <a:off x="6729344" y="2830003"/>
-              <a:ext cx="867727" cy="1095706"/>
-            </a:xfrm>
-            <a:prstGeom prst="straightConnector1">
-              <a:avLst/>
-            </a:prstGeom>
-            <a:ln>
-              <a:tailEnd type="triangle"/>
-            </a:ln>
-          </p:spPr>
-          <p:style>
-            <a:lnRef idx="1">
-              <a:schemeClr val="accent1"/>
-            </a:lnRef>
-            <a:fillRef idx="0">
-              <a:schemeClr val="accent1"/>
-            </a:fillRef>
-            <a:effectRef idx="0">
-              <a:schemeClr val="accent1"/>
-            </a:effectRef>
-            <a:fontRef idx="minor">
-              <a:schemeClr val="tx1"/>
-            </a:fontRef>
-          </p:style>
-        </p:cxnSp>
-        <p:cxnSp>
-          <p:nvCxnSpPr>
-            <p:cNvPr id="43" name="Conector recto de flecha 42"/>
-            <p:cNvCxnSpPr>
-              <a:stCxn id="26" idx="5"/>
-              <a:endCxn id="37" idx="1"/>
-            </p:cNvCxnSpPr>
-            <p:nvPr/>
-          </p:nvCxnSpPr>
-          <p:spPr>
-            <a:xfrm>
-              <a:off x="6729344" y="3910263"/>
-              <a:ext cx="867727" cy="15446"/>
-            </a:xfrm>
-            <a:prstGeom prst="straightConnector1">
-              <a:avLst/>
-            </a:prstGeom>
-            <a:ln>
-              <a:tailEnd type="triangle"/>
-            </a:ln>
-          </p:spPr>
-          <p:style>
-            <a:lnRef idx="1">
-              <a:schemeClr val="accent1"/>
-            </a:lnRef>
-            <a:fillRef idx="0">
-              <a:schemeClr val="accent1"/>
-            </a:fillRef>
-            <a:effectRef idx="0">
-              <a:schemeClr val="accent1"/>
-            </a:effectRef>
-            <a:fontRef idx="minor">
-              <a:schemeClr val="tx1"/>
-            </a:fontRef>
-          </p:style>
-        </p:cxnSp>
-        <p:cxnSp>
-          <p:nvCxnSpPr>
-            <p:cNvPr id="45" name="Conector recto de flecha 44"/>
-            <p:cNvCxnSpPr>
-              <a:stCxn id="28" idx="5"/>
-              <a:endCxn id="37" idx="1"/>
-            </p:cNvCxnSpPr>
-            <p:nvPr/>
-          </p:nvCxnSpPr>
-          <p:spPr>
-            <a:xfrm flipV="1">
-              <a:off x="6729344" y="3925709"/>
-              <a:ext cx="867727" cy="1338787"/>
-            </a:xfrm>
-            <a:prstGeom prst="straightConnector1">
-              <a:avLst/>
-            </a:prstGeom>
-            <a:ln>
-              <a:tailEnd type="triangle"/>
-            </a:ln>
-          </p:spPr>
-          <p:style>
-            <a:lnRef idx="1">
-              <a:schemeClr val="accent1"/>
-            </a:lnRef>
-            <a:fillRef idx="0">
-              <a:schemeClr val="accent1"/>
-            </a:fillRef>
-            <a:effectRef idx="0">
-              <a:schemeClr val="accent1"/>
-            </a:effectRef>
-            <a:fontRef idx="minor">
-              <a:schemeClr val="tx1"/>
-            </a:fontRef>
-          </p:style>
-        </p:cxnSp>
       </p:grpSp>
-      <p:cxnSp>
-        <p:nvCxnSpPr>
-          <p:cNvPr id="62" name="Conector recto de flecha 61"/>
-          <p:cNvCxnSpPr>
-            <a:stCxn id="37" idx="3"/>
-          </p:cNvCxnSpPr>
-          <p:nvPr/>
-        </p:nvCxnSpPr>
-        <p:spPr>
-          <a:xfrm>
-            <a:off x="7525404" y="3699036"/>
-            <a:ext cx="570217" cy="0"/>
-          </a:xfrm>
-          <a:prstGeom prst="straightConnector1">
-            <a:avLst/>
-          </a:prstGeom>
-          <a:ln>
-            <a:tailEnd type="triangle"/>
-          </a:ln>
-        </p:spPr>
-        <p:style>
-          <a:lnRef idx="1">
-            <a:schemeClr val="accent1"/>
-          </a:lnRef>
-          <a:fillRef idx="0">
-            <a:schemeClr val="accent1"/>
-          </a:fillRef>
-          <a:effectRef idx="0">
-            <a:schemeClr val="accent1"/>
-          </a:effectRef>
-          <a:fontRef idx="minor">
-            <a:schemeClr val="tx1"/>
-          </a:fontRef>
-        </p:style>
-      </p:cxnSp>
-      <p:sp>
-        <p:nvSpPr>
-          <p:cNvPr id="64" name="Rectángulo 63"/>
-          <p:cNvSpPr/>
-          <p:nvPr/>
-        </p:nvSpPr>
-        <p:spPr>
-          <a:xfrm>
-            <a:off x="8103649" y="3122433"/>
-            <a:ext cx="1410989" cy="1173693"/>
-          </a:xfrm>
-          <a:prstGeom prst="rect">
-            <a:avLst/>
-          </a:prstGeom>
-          <a:noFill/>
-        </p:spPr>
-        <p:style>
-          <a:lnRef idx="2">
-            <a:schemeClr val="accent1">
-              <a:shade val="50000"/>
-            </a:schemeClr>
-          </a:lnRef>
-          <a:fillRef idx="1">
-            <a:schemeClr val="accent1"/>
-          </a:fillRef>
-          <a:effectRef idx="0">
-            <a:schemeClr val="accent1"/>
-          </a:effectRef>
-          <a:fontRef idx="minor">
-            <a:schemeClr val="lt1"/>
-          </a:fontRef>
-        </p:style>
-        <p:txBody>
-          <a:bodyPr rtlCol="0" anchor="ctr"/>
-          <a:lstStyle/>
-          <a:p>
-            <a:pPr algn="ctr"/>
-            <a:endParaRPr lang="es-CO"/>
-          </a:p>
-        </p:txBody>
-      </p:sp>
-      <mc:AlternateContent xmlns:mc="http://schemas.openxmlformats.org/markup-compatibility/2006">
-        <mc:Choice xmlns:a14="http://schemas.microsoft.com/office/drawing/2010/main" Requires="a14">
-          <p:sp>
-            <p:nvSpPr>
-              <p:cNvPr id="65" name="CuadroTexto 64"/>
-              <p:cNvSpPr txBox="1"/>
-              <p:nvPr/>
-            </p:nvSpPr>
-            <p:spPr>
-              <a:xfrm>
-                <a:off x="8250946" y="3192472"/>
-                <a:ext cx="1116394" cy="1138773"/>
-              </a:xfrm>
-              <a:prstGeom prst="rect">
-                <a:avLst/>
-              </a:prstGeom>
-              <a:noFill/>
-            </p:spPr>
-            <p:txBody>
-              <a:bodyPr wrap="square" rtlCol="0">
-                <a:spAutoFit/>
-              </a:bodyPr>
-              <a:lstStyle/>
-              <a:p>
-                <a:r>
-                  <a:rPr lang="es-CO" dirty="0" smtClean="0"/>
-                  <a:t>Análisis de datos atípicos </a:t>
-                </a:r>
-                <a14:m>
-                  <m:oMath xmlns:m="http://schemas.openxmlformats.org/officeDocument/2006/math">
-                    <m:r>
-                      <a:rPr lang="es-CO" sz="1400" b="0" i="0" smtClean="0">
-                        <a:latin typeface="Cambria Math" panose="02040503050406030204" pitchFamily="18" charset="0"/>
-                      </a:rPr>
-                      <m:t>(</m:t>
-                    </m:r>
-                    <m:r>
-                      <a:rPr lang="es-CO" sz="1400" b="0" i="1" smtClean="0">
-                        <a:latin typeface="Cambria Math" panose="02040503050406030204" pitchFamily="18" charset="0"/>
-                      </a:rPr>
-                      <m:t>𝐶h𝑎𝑢𝑣𝑒𝑛𝑒𝑡</m:t>
-                    </m:r>
-                    <m:r>
-                      <a:rPr lang="es-CO" sz="1400" b="0" i="1" smtClean="0">
-                        <a:latin typeface="Cambria Math" panose="02040503050406030204" pitchFamily="18" charset="0"/>
-                      </a:rPr>
-                      <m:t>)</m:t>
-                    </m:r>
-                  </m:oMath>
-                </a14:m>
-                <a:endParaRPr lang="es-CO" dirty="0"/>
-              </a:p>
-            </p:txBody>
-          </p:sp>
-        </mc:Choice>
-        <mc:Fallback>
-          <p:sp>
-            <p:nvSpPr>
-              <p:cNvPr id="65" name="CuadroTexto 64"/>
-              <p:cNvSpPr txBox="1">
-                <a:spLocks noRot="1" noChangeAspect="1" noMove="1" noResize="1" noEditPoints="1" noAdjustHandles="1" noChangeArrowheads="1" noChangeShapeType="1" noTextEdit="1"/>
-              </p:cNvSpPr>
-              <p:nvPr/>
-            </p:nvSpPr>
-            <p:spPr>
-              <a:xfrm>
-                <a:off x="8250946" y="3192472"/>
-                <a:ext cx="1116394" cy="1138773"/>
-              </a:xfrm>
-              <a:prstGeom prst="rect">
-                <a:avLst/>
-              </a:prstGeom>
-              <a:blipFill>
-                <a:blip r:embed="rId2"/>
-                <a:stretch>
-                  <a:fillRect l="-4918" t="-3209" r="-4918" b="-1070"/>
-                </a:stretch>
-              </a:blipFill>
-            </p:spPr>
-            <p:txBody>
-              <a:bodyPr/>
-              <a:lstStyle/>
-              <a:p>
-                <a:r>
-                  <a:rPr lang="es-CO">
-                    <a:noFill/>
-                  </a:rPr>
-                  <a:t> </a:t>
-                </a:r>
-              </a:p>
-            </p:txBody>
-          </p:sp>
-        </mc:Fallback>
-      </mc:AlternateContent>
-      <p:sp>
-        <p:nvSpPr>
-          <p:cNvPr id="66" name="Rectángulo 65"/>
-          <p:cNvSpPr/>
-          <p:nvPr/>
-        </p:nvSpPr>
-        <p:spPr>
-          <a:xfrm>
-            <a:off x="10120468" y="3309079"/>
-            <a:ext cx="1712200" cy="807983"/>
-          </a:xfrm>
-          <a:prstGeom prst="rect">
-            <a:avLst/>
-          </a:prstGeom>
-          <a:noFill/>
-        </p:spPr>
-        <p:style>
-          <a:lnRef idx="2">
-            <a:schemeClr val="accent1">
-              <a:shade val="50000"/>
-            </a:schemeClr>
-          </a:lnRef>
-          <a:fillRef idx="1">
-            <a:schemeClr val="accent1"/>
-          </a:fillRef>
-          <a:effectRef idx="0">
-            <a:schemeClr val="accent1"/>
-          </a:effectRef>
-          <a:fontRef idx="minor">
-            <a:schemeClr val="lt1"/>
-          </a:fontRef>
-        </p:style>
-        <p:txBody>
-          <a:bodyPr rtlCol="0" anchor="ctr"/>
-          <a:lstStyle/>
-          <a:p>
-            <a:pPr algn="ctr"/>
-            <a:endParaRPr lang="es-CO"/>
-          </a:p>
-        </p:txBody>
-      </p:sp>
-      <p:cxnSp>
-        <p:nvCxnSpPr>
-          <p:cNvPr id="68" name="Conector recto de flecha 67"/>
-          <p:cNvCxnSpPr/>
-          <p:nvPr/>
-        </p:nvCxnSpPr>
-        <p:spPr>
-          <a:xfrm>
-            <a:off x="9538873" y="3700830"/>
-            <a:ext cx="570217" cy="0"/>
-          </a:xfrm>
-          <a:prstGeom prst="straightConnector1">
-            <a:avLst/>
-          </a:prstGeom>
-          <a:ln>
-            <a:tailEnd type="triangle"/>
-          </a:ln>
-        </p:spPr>
-        <p:style>
-          <a:lnRef idx="1">
-            <a:schemeClr val="accent1"/>
-          </a:lnRef>
-          <a:fillRef idx="0">
-            <a:schemeClr val="accent1"/>
-          </a:fillRef>
-          <a:effectRef idx="0">
-            <a:schemeClr val="accent1"/>
-          </a:effectRef>
-          <a:fontRef idx="minor">
-            <a:schemeClr val="tx1"/>
-          </a:fontRef>
-        </p:style>
-      </p:cxnSp>
-      <p:sp>
-        <p:nvSpPr>
-          <p:cNvPr id="72" name="CuadroTexto 71"/>
-          <p:cNvSpPr txBox="1"/>
-          <p:nvPr/>
-        </p:nvSpPr>
-        <p:spPr>
-          <a:xfrm>
-            <a:off x="4425934" y="5303424"/>
-            <a:ext cx="1442959" cy="369332"/>
-          </a:xfrm>
-          <a:prstGeom prst="rect">
-            <a:avLst/>
-          </a:prstGeom>
-          <a:noFill/>
-        </p:spPr>
-        <p:txBody>
-          <a:bodyPr wrap="none" rtlCol="0">
-            <a:spAutoFit/>
-          </a:bodyPr>
-          <a:lstStyle/>
-          <a:p>
-            <a:r>
-              <a:rPr lang="es-CO" dirty="0" smtClean="0"/>
-              <a:t>(</a:t>
-            </a:r>
-            <a:r>
-              <a:rPr lang="es-CO" dirty="0" err="1" smtClean="0"/>
-              <a:t>DataFrames</a:t>
-            </a:r>
-            <a:r>
-              <a:rPr lang="es-CO" dirty="0" smtClean="0"/>
-              <a:t>)</a:t>
-            </a:r>
-            <a:endParaRPr lang="es-CO" dirty="0"/>
-          </a:p>
-        </p:txBody>
-      </p:sp>
     </p:spTree>
     <p:extLst>
       <p:ext uri="{BB962C8B-B14F-4D97-AF65-F5344CB8AC3E}">
@@ -11761,13 +11834,6 @@
   <p:clrMapOvr>
     <a:masterClrMapping/>
   </p:clrMapOvr>
-  <p:timing>
-    <p:tnLst>
-      <p:par>
-        <p:cTn id="1" dur="indefinite" restart="never" nodeType="tmRoot"/>
-      </p:par>
-    </p:tnLst>
-  </p:timing>
 </p:sld>
 </file>
 
@@ -11896,13 +11962,6 @@
   <p:clrMapOvr>
     <a:masterClrMapping/>
   </p:clrMapOvr>
-  <p:timing>
-    <p:tnLst>
-      <p:par>
-        <p:cTn id="1" dur="indefinite" restart="never" nodeType="tmRoot"/>
-      </p:par>
-    </p:tnLst>
-  </p:timing>
 </p:sld>
 </file>
 
@@ -12104,13 +12163,6 @@
   <p:clrMapOvr>
     <a:masterClrMapping/>
   </p:clrMapOvr>
-  <p:timing>
-    <p:tnLst>
-      <p:par>
-        <p:cTn id="1" dur="indefinite" restart="never" nodeType="tmRoot"/>
-      </p:par>
-    </p:tnLst>
-  </p:timing>
 </p:sld>
 </file>
 
@@ -12311,13 +12363,6 @@
   <p:clrMapOvr>
     <a:masterClrMapping/>
   </p:clrMapOvr>
-  <p:timing>
-    <p:tnLst>
-      <p:par>
-        <p:cTn id="1" dur="indefinite" restart="never" nodeType="tmRoot"/>
-      </p:par>
-    </p:tnLst>
-  </p:timing>
 </p:sld>
 </file>
 
@@ -12367,8 +12412,8 @@
           </a:p>
         </p:txBody>
       </p:sp>
-      <mc:AlternateContent xmlns:mc="http://schemas.openxmlformats.org/markup-compatibility/2006">
-        <mc:Choice xmlns:a14="http://schemas.microsoft.com/office/drawing/2010/main" Requires="a14">
+      <mc:AlternateContent xmlns:mc="http://schemas.openxmlformats.org/markup-compatibility/2006" xmlns:a14="http://schemas.microsoft.com/office/drawing/2010/main">
+        <mc:Choice Requires="a14">
           <p:graphicFrame>
             <p:nvGraphicFramePr>
               <p:cNvPr id="7" name="Tabla 6">
@@ -13816,7 +13861,7 @@
             </a:graphic>
           </p:graphicFrame>
         </mc:Choice>
-        <mc:Fallback>
+        <mc:Fallback xmlns="">
           <p:graphicFrame>
             <p:nvGraphicFramePr>
               <p:cNvPr id="7" name="Tabla 6">
@@ -15191,13 +15236,6 @@
   <p:clrMapOvr>
     <a:masterClrMapping/>
   </p:clrMapOvr>
-  <p:timing>
-    <p:tnLst>
-      <p:par>
-        <p:cTn id="1" dur="indefinite" restart="never" nodeType="tmRoot"/>
-      </p:par>
-    </p:tnLst>
-  </p:timing>
 </p:sld>
 </file>
 
@@ -15740,13 +15778,6 @@
   <p:clrMapOvr>
     <a:masterClrMapping/>
   </p:clrMapOvr>
-  <p:timing>
-    <p:tnLst>
-      <p:par>
-        <p:cTn id="1" dur="indefinite" restart="never" nodeType="tmRoot"/>
-      </p:par>
-    </p:tnLst>
-  </p:timing>
 </p:sld>
 </file>
 
@@ -16131,13 +16162,6 @@
   <p:clrMapOvr>
     <a:masterClrMapping/>
   </p:clrMapOvr>
-  <p:timing>
-    <p:tnLst>
-      <p:par>
-        <p:cTn id="1" dur="indefinite" restart="never" nodeType="tmRoot"/>
-      </p:par>
-    </p:tnLst>
-  </p:timing>
 </p:sld>
 </file>
 
@@ -16321,13 +16345,6 @@
   <p:clrMapOvr>
     <a:masterClrMapping/>
   </p:clrMapOvr>
-  <p:timing>
-    <p:tnLst>
-      <p:par>
-        <p:cTn id="1" dur="indefinite" restart="never" nodeType="tmRoot"/>
-      </p:par>
-    </p:tnLst>
-  </p:timing>
 </p:sld>
 </file>
 
@@ -17154,13 +17171,6 @@
   <p:clrMapOvr>
     <a:masterClrMapping/>
   </p:clrMapOvr>
-  <p:timing>
-    <p:tnLst>
-      <p:par>
-        <p:cTn id="1" dur="indefinite" restart="never" nodeType="tmRoot"/>
-      </p:par>
-    </p:tnLst>
-  </p:timing>
 </p:sld>
 </file>
 
@@ -17806,10 +17816,9 @@
           <a:p>
             <a:pPr algn="just"/>
             <a:r>
-              <a:rPr lang="es-CO" dirty="0" smtClean="0"/>
+              <a:rPr lang="es-CO" dirty="0"/>
               <a:t>Se han realizado para rotores de hasta 25cm.</a:t>
             </a:r>
-            <a:endParaRPr lang="es-CO" dirty="0"/>
           </a:p>
           <a:p>
             <a:pPr algn="just"/>
@@ -18074,13 +18083,6 @@
   <p:clrMapOvr>
     <a:masterClrMapping/>
   </p:clrMapOvr>
-  <p:timing>
-    <p:tnLst>
-      <p:par>
-        <p:cTn id="1" dur="indefinite" restart="never" nodeType="tmRoot"/>
-      </p:par>
-    </p:tnLst>
-  </p:timing>
 </p:sld>
 </file>
 
@@ -20116,13 +20118,6 @@
   <p:clrMapOvr>
     <a:masterClrMapping/>
   </p:clrMapOvr>
-  <p:timing>
-    <p:tnLst>
-      <p:par>
-        <p:cTn id="1" dur="indefinite" restart="never" nodeType="tmRoot"/>
-      </p:par>
-    </p:tnLst>
-  </p:timing>
 </p:sld>
 </file>
 
@@ -20400,13 +20395,6 @@
   <p:clrMapOvr>
     <a:masterClrMapping/>
   </p:clrMapOvr>
-  <p:timing>
-    <p:tnLst>
-      <p:par>
-        <p:cTn id="1" dur="indefinite" restart="never" nodeType="tmRoot"/>
-      </p:par>
-    </p:tnLst>
-  </p:timing>
 </p:sld>
 </file>
 
@@ -21148,13 +21136,6 @@
   <p:clrMapOvr>
     <a:masterClrMapping/>
   </p:clrMapOvr>
-  <p:timing>
-    <p:tnLst>
-      <p:par>
-        <p:cTn id="1" dur="indefinite" restart="never" nodeType="tmRoot"/>
-      </p:par>
-    </p:tnLst>
-  </p:timing>
 </p:sld>
 </file>
 
@@ -21320,13 +21301,6 @@
   <p:clrMapOvr>
     <a:masterClrMapping/>
   </p:clrMapOvr>
-  <p:timing>
-    <p:tnLst>
-      <p:par>
-        <p:cTn id="1" dur="indefinite" restart="never" nodeType="tmRoot"/>
-      </p:par>
-    </p:tnLst>
-  </p:timing>
 </p:sld>
 </file>
 
@@ -23894,13 +23868,6 @@
   <p:clrMapOvr>
     <a:masterClrMapping/>
   </p:clrMapOvr>
-  <p:timing>
-    <p:tnLst>
-      <p:par>
-        <p:cTn id="1" dur="indefinite" restart="never" nodeType="tmRoot"/>
-      </p:par>
-    </p:tnLst>
-  </p:timing>
 </p:sld>
 </file>
 
@@ -24002,13 +23969,13 @@
           <a:p>
             <a:r>
               <a:rPr lang="es-CO" dirty="0"/>
-              <a:t>Corriente máxima alcanzada de 12 A</a:t>
+              <a:t>Corriente máxima alcanzada de 15 A</a:t>
             </a:r>
           </a:p>
           <a:p>
             <a:r>
               <a:rPr lang="es-CO" dirty="0"/>
-              <a:t>Corriente máxima de seguridad de 15 A</a:t>
+              <a:t>Corriente máxima de seguridad de 20 A</a:t>
             </a:r>
             <a:endParaRPr lang="es-ES" dirty="0"/>
           </a:p>
@@ -24336,13 +24303,6 @@
   <p:clrMapOvr>
     <a:masterClrMapping/>
   </p:clrMapOvr>
-  <p:timing>
-    <p:tnLst>
-      <p:par>
-        <p:cTn id="1" dur="indefinite" restart="never" nodeType="tmRoot"/>
-      </p:par>
-    </p:tnLst>
-  </p:timing>
 </p:sld>
 </file>
 
